--- a/IPv6.pptx
+++ b/IPv6.pptx
@@ -2,15 +2,21 @@
 <file path=ppt/presentation.xml><?xml version="1.0" encoding="utf-8"?>
 <p:presentation xmlns:a="http://schemas.openxmlformats.org/drawingml/2006/main" xmlns:r="http://schemas.openxmlformats.org/officeDocument/2006/relationships" xmlns:p="http://schemas.openxmlformats.org/presentationml/2006/main" autoCompressPictures="0">
   <p:sldMasterIdLst>
-    <p:sldMasterId id="2147483789" r:id="rId1"/>
+    <p:sldMasterId id="2147483648" r:id="rId1"/>
   </p:sldMasterIdLst>
   <p:sldIdLst>
     <p:sldId id="256" r:id="rId2"/>
     <p:sldId id="257" r:id="rId3"/>
-    <p:sldId id="261" r:id="rId4"/>
-    <p:sldId id="258" r:id="rId5"/>
-    <p:sldId id="259" r:id="rId6"/>
-    <p:sldId id="260" r:id="rId7"/>
+    <p:sldId id="258" r:id="rId4"/>
+    <p:sldId id="259" r:id="rId5"/>
+    <p:sldId id="260" r:id="rId6"/>
+    <p:sldId id="261" r:id="rId7"/>
+    <p:sldId id="262" r:id="rId8"/>
+    <p:sldId id="263" r:id="rId9"/>
+    <p:sldId id="264" r:id="rId10"/>
+    <p:sldId id="265" r:id="rId11"/>
+    <p:sldId id="266" r:id="rId12"/>
+    <p:sldId id="267" r:id="rId13"/>
   </p:sldIdLst>
   <p:sldSz cx="12192000" cy="6858000"/>
   <p:notesSz cx="6858000" cy="9144000"/>
@@ -109,11 +115,6 @@
       </a:defRPr>
     </a:lvl9pPr>
   </p:defaultTextStyle>
-  <p:extLst>
-    <p:ext uri="{EFAFB233-063F-42B5-8137-9DF3F51BA10A}">
-      <p15:sldGuideLst xmlns:p15="http://schemas.microsoft.com/office/powerpoint/2012/main"/>
-    </p:ext>
-  </p:extLst>
 </p:presentation>
 </file>
 
@@ -161,7 +162,7 @@
           </a:lstStyle>
           <a:p>
             <a:r>
-              <a:rPr lang="en-US" smtClean="0"/>
+              <a:rPr lang="en-US"/>
               <a:t>Click to edit Master title style</a:t>
             </a:r>
             <a:endParaRPr lang="en-US" dirty="0"/>
@@ -281,7 +282,7 @@
           </a:lstStyle>
           <a:p>
             <a:r>
-              <a:rPr lang="en-US" smtClean="0"/>
+              <a:rPr lang="en-US"/>
               <a:t>Click to edit Master subtitle style</a:t>
             </a:r>
             <a:endParaRPr lang="en-US" dirty="0"/>
@@ -304,7 +305,7 @@
           <a:lstStyle/>
           <a:p>
             <a:fld id="{B61BEF0D-F0BB-DE4B-95CE-6DB70DBA9567}" type="datetimeFigureOut">
-              <a:rPr lang="en-US" smtClean="0"/>
+              <a:rPr lang="en-US" dirty="0"/>
               <a:pPr/>
               <a:t>3/19/2019</a:t>
             </a:fld>
@@ -434,7 +435,7 @@
           <a:lstStyle/>
           <a:p>
             <a:fld id="{D57F1E4F-1CFF-5643-939E-217C01CDF565}" type="slidenum">
-              <a:rPr lang="en-US" smtClean="0"/>
+              <a:rPr lang="en-US" dirty="0"/>
               <a:pPr/>
               <a:t>‹#›</a:t>
             </a:fld>
@@ -443,11 +444,6 @@
         </p:txBody>
       </p:sp>
     </p:spTree>
-    <p:extLst>
-      <p:ext uri="{BB962C8B-B14F-4D97-AF65-F5344CB8AC3E}">
-        <p14:creationId xmlns:p14="http://schemas.microsoft.com/office/powerpoint/2010/main" val="3611780992"/>
-      </p:ext>
-    </p:extLst>
   </p:cSld>
   <p:clrMapOvr>
     <a:masterClrMapping/>
@@ -499,7 +495,7 @@
           </a:lstStyle>
           <a:p>
             <a:r>
-              <a:rPr lang="en-US" smtClean="0"/>
+              <a:rPr lang="en-US"/>
               <a:t>Click to edit Master title style</a:t>
             </a:r>
             <a:endParaRPr lang="en-US" dirty="0"/>
@@ -622,7 +618,7 @@
           <a:p>
             <a:pPr lvl="0"/>
             <a:r>
-              <a:rPr lang="en-US" smtClean="0"/>
+              <a:rPr lang="en-US"/>
               <a:t>Click to edit Master text styles</a:t>
             </a:r>
           </a:p>
@@ -644,7 +640,7 @@
           <a:lstStyle/>
           <a:p>
             <a:fld id="{B61BEF0D-F0BB-DE4B-95CE-6DB70DBA9567}" type="datetimeFigureOut">
-              <a:rPr lang="en-US" smtClean="0"/>
+              <a:rPr lang="en-US" dirty="0"/>
               <a:pPr/>
               <a:t>3/19/2019</a:t>
             </a:fld>
@@ -774,7 +770,7 @@
           <a:lstStyle/>
           <a:p>
             <a:fld id="{D57F1E4F-1CFF-5643-939E-217C01CDF565}" type="slidenum">
-              <a:rPr lang="en-US" smtClean="0"/>
+              <a:rPr lang="en-US" dirty="0"/>
               <a:pPr/>
               <a:t>‹#›</a:t>
             </a:fld>
@@ -783,11 +779,6 @@
         </p:txBody>
       </p:sp>
     </p:spTree>
-    <p:extLst>
-      <p:ext uri="{BB962C8B-B14F-4D97-AF65-F5344CB8AC3E}">
-        <p14:creationId xmlns:p14="http://schemas.microsoft.com/office/powerpoint/2010/main" val="2010166482"/>
-      </p:ext>
-    </p:extLst>
   </p:cSld>
   <p:clrMapOvr>
     <a:masterClrMapping/>
@@ -839,7 +830,7 @@
           </a:lstStyle>
           <a:p>
             <a:r>
-              <a:rPr lang="en-US" smtClean="0"/>
+              <a:rPr lang="en-US"/>
               <a:t>Click to edit Master title style</a:t>
             </a:r>
             <a:endParaRPr lang="en-US" dirty="0"/>
@@ -903,7 +894,7 @@
           <a:p>
             <a:pPr lvl="0"/>
             <a:r>
-              <a:rPr lang="en-US" smtClean="0"/>
+              <a:rPr lang="en-US"/>
               <a:t>Click to edit Master text styles</a:t>
             </a:r>
           </a:p>
@@ -1025,7 +1016,7 @@
           <a:p>
             <a:pPr lvl="0"/>
             <a:r>
-              <a:rPr lang="en-US" smtClean="0"/>
+              <a:rPr lang="en-US"/>
               <a:t>Click to edit Master text styles</a:t>
             </a:r>
           </a:p>
@@ -1047,7 +1038,7 @@
           <a:lstStyle/>
           <a:p>
             <a:fld id="{B61BEF0D-F0BB-DE4B-95CE-6DB70DBA9567}" type="datetimeFigureOut">
-              <a:rPr lang="en-US" smtClean="0"/>
+              <a:rPr lang="en-US" dirty="0"/>
               <a:pPr/>
               <a:t>3/19/2019</a:t>
             </a:fld>
@@ -1177,7 +1168,7 @@
           <a:lstStyle/>
           <a:p>
             <a:fld id="{D57F1E4F-1CFF-5643-939E-217C01CDF565}" type="slidenum">
-              <a:rPr lang="en-US" smtClean="0"/>
+              <a:rPr lang="en-US" dirty="0"/>
               <a:pPr/>
               <a:t>‹#›</a:t>
             </a:fld>
@@ -1262,11 +1253,6 @@
         </p:txBody>
       </p:sp>
     </p:spTree>
-    <p:extLst>
-      <p:ext uri="{BB962C8B-B14F-4D97-AF65-F5344CB8AC3E}">
-        <p14:creationId xmlns:p14="http://schemas.microsoft.com/office/powerpoint/2010/main" val="4267785886"/>
-      </p:ext>
-    </p:extLst>
   </p:cSld>
   <p:clrMapOvr>
     <a:masterClrMapping/>
@@ -1318,7 +1304,7 @@
           </a:lstStyle>
           <a:p>
             <a:r>
-              <a:rPr lang="en-US" smtClean="0"/>
+              <a:rPr lang="en-US"/>
               <a:t>Click to edit Master title style</a:t>
             </a:r>
             <a:endParaRPr lang="en-US" dirty="0"/>
@@ -1363,7 +1349,7 @@
               <a:buNone/>
             </a:pPr>
             <a:r>
-              <a:rPr lang="en-US" smtClean="0"/>
+              <a:rPr lang="en-US"/>
               <a:t>Click to edit Master text styles</a:t>
             </a:r>
           </a:p>
@@ -1385,7 +1371,7 @@
           <a:lstStyle/>
           <a:p>
             <a:fld id="{B61BEF0D-F0BB-DE4B-95CE-6DB70DBA9567}" type="datetimeFigureOut">
-              <a:rPr lang="en-US" smtClean="0"/>
+              <a:rPr lang="en-US" dirty="0"/>
               <a:pPr/>
               <a:t>3/19/2019</a:t>
             </a:fld>
@@ -1515,7 +1501,7 @@
           <a:lstStyle/>
           <a:p>
             <a:fld id="{D57F1E4F-1CFF-5643-939E-217C01CDF565}" type="slidenum">
-              <a:rPr lang="en-US" smtClean="0"/>
+              <a:rPr lang="en-US" dirty="0"/>
               <a:pPr/>
               <a:t>‹#›</a:t>
             </a:fld>
@@ -1524,11 +1510,6 @@
         </p:txBody>
       </p:sp>
     </p:spTree>
-    <p:extLst>
-      <p:ext uri="{BB962C8B-B14F-4D97-AF65-F5344CB8AC3E}">
-        <p14:creationId xmlns:p14="http://schemas.microsoft.com/office/powerpoint/2010/main" val="3202999658"/>
-      </p:ext>
-    </p:extLst>
   </p:cSld>
   <p:clrMapOvr>
     <a:masterClrMapping/>
@@ -1580,7 +1561,7 @@
           </a:lstStyle>
           <a:p>
             <a:r>
-              <a:rPr lang="en-US" smtClean="0"/>
+              <a:rPr lang="en-US"/>
               <a:t>Click to edit Master title style</a:t>
             </a:r>
             <a:endParaRPr lang="en-US" dirty="0"/>
@@ -1641,7 +1622,7 @@
           <a:p>
             <a:pPr lvl="0"/>
             <a:r>
-              <a:rPr lang="en-US" smtClean="0"/>
+              <a:rPr lang="en-US"/>
               <a:t>Click to edit Master text styles</a:t>
             </a:r>
           </a:p>
@@ -1685,7 +1666,7 @@
               <a:buNone/>
             </a:pPr>
             <a:r>
-              <a:rPr lang="en-US" smtClean="0"/>
+              <a:rPr lang="en-US"/>
               <a:t>Click to edit Master text styles</a:t>
             </a:r>
           </a:p>
@@ -1707,7 +1688,7 @@
           <a:lstStyle/>
           <a:p>
             <a:fld id="{B61BEF0D-F0BB-DE4B-95CE-6DB70DBA9567}" type="datetimeFigureOut">
-              <a:rPr lang="en-US" smtClean="0"/>
+              <a:rPr lang="en-US" dirty="0"/>
               <a:pPr/>
               <a:t>3/19/2019</a:t>
             </a:fld>
@@ -1837,7 +1818,7 @@
           <a:lstStyle/>
           <a:p>
             <a:fld id="{D57F1E4F-1CFF-5643-939E-217C01CDF565}" type="slidenum">
-              <a:rPr lang="en-US" smtClean="0"/>
+              <a:rPr lang="en-US" dirty="0"/>
               <a:pPr/>
               <a:t>‹#›</a:t>
             </a:fld>
@@ -1922,11 +1903,6 @@
         </p:txBody>
       </p:sp>
     </p:spTree>
-    <p:extLst>
-      <p:ext uri="{BB962C8B-B14F-4D97-AF65-F5344CB8AC3E}">
-        <p14:creationId xmlns:p14="http://schemas.microsoft.com/office/powerpoint/2010/main" val="2480936680"/>
-      </p:ext>
-    </p:extLst>
   </p:cSld>
   <p:clrMapOvr>
     <a:masterClrMapping/>
@@ -1978,7 +1954,7 @@
           </a:lstStyle>
           <a:p>
             <a:r>
-              <a:rPr lang="en-US" smtClean="0"/>
+              <a:rPr lang="en-US"/>
               <a:t>Click to edit Master title style</a:t>
             </a:r>
             <a:endParaRPr lang="en-US" dirty="0"/>
@@ -2039,7 +2015,7 @@
           <a:p>
             <a:pPr lvl="0"/>
             <a:r>
-              <a:rPr lang="en-US" smtClean="0"/>
+              <a:rPr lang="en-US"/>
               <a:t>Click to edit Master text styles</a:t>
             </a:r>
           </a:p>
@@ -2083,7 +2059,7 @@
               <a:buNone/>
             </a:pPr>
             <a:r>
-              <a:rPr lang="en-US" smtClean="0"/>
+              <a:rPr lang="en-US"/>
               <a:t>Click to edit Master text styles</a:t>
             </a:r>
           </a:p>
@@ -2105,7 +2081,7 @@
           <a:lstStyle/>
           <a:p>
             <a:fld id="{B61BEF0D-F0BB-DE4B-95CE-6DB70DBA9567}" type="datetimeFigureOut">
-              <a:rPr lang="en-US" smtClean="0"/>
+              <a:rPr lang="en-US" dirty="0"/>
               <a:pPr/>
               <a:t>3/19/2019</a:t>
             </a:fld>
@@ -2235,7 +2211,7 @@
           <a:lstStyle/>
           <a:p>
             <a:fld id="{D57F1E4F-1CFF-5643-939E-217C01CDF565}" type="slidenum">
-              <a:rPr lang="en-US" smtClean="0"/>
+              <a:rPr lang="en-US" dirty="0"/>
               <a:pPr/>
               <a:t>‹#›</a:t>
             </a:fld>
@@ -2244,11 +2220,6 @@
         </p:txBody>
       </p:sp>
     </p:spTree>
-    <p:extLst>
-      <p:ext uri="{BB962C8B-B14F-4D97-AF65-F5344CB8AC3E}">
-        <p14:creationId xmlns:p14="http://schemas.microsoft.com/office/powerpoint/2010/main" val="247770459"/>
-      </p:ext>
-    </p:extLst>
   </p:cSld>
   <p:clrMapOvr>
     <a:masterClrMapping/>
@@ -2289,7 +2260,7 @@
           <a:lstStyle/>
           <a:p>
             <a:r>
-              <a:rPr lang="en-US" smtClean="0"/>
+              <a:rPr lang="en-US"/>
               <a:t>Click to edit Master title style</a:t>
             </a:r>
             <a:endParaRPr lang="en-US" dirty="0"/>
@@ -2313,35 +2284,35 @@
           <a:p>
             <a:pPr lvl="0"/>
             <a:r>
-              <a:rPr lang="en-US" smtClean="0"/>
+              <a:rPr lang="en-US"/>
               <a:t>Click to edit Master text styles</a:t>
             </a:r>
           </a:p>
           <a:p>
             <a:pPr lvl="1"/>
             <a:r>
-              <a:rPr lang="en-US" smtClean="0"/>
+              <a:rPr lang="en-US"/>
               <a:t>Second level</a:t>
             </a:r>
           </a:p>
           <a:p>
             <a:pPr lvl="2"/>
             <a:r>
-              <a:rPr lang="en-US" smtClean="0"/>
+              <a:rPr lang="en-US"/>
               <a:t>Third level</a:t>
             </a:r>
           </a:p>
           <a:p>
             <a:pPr lvl="3"/>
             <a:r>
-              <a:rPr lang="en-US" smtClean="0"/>
+              <a:rPr lang="en-US"/>
               <a:t>Fourth level</a:t>
             </a:r>
           </a:p>
           <a:p>
             <a:pPr lvl="4"/>
             <a:r>
-              <a:rPr lang="en-US" smtClean="0"/>
+              <a:rPr lang="en-US"/>
               <a:t>Fifth level</a:t>
             </a:r>
             <a:endParaRPr lang="en-US" dirty="0"/>
@@ -2364,7 +2335,7 @@
           <a:lstStyle/>
           <a:p>
             <a:fld id="{B61BEF0D-F0BB-DE4B-95CE-6DB70DBA9567}" type="datetimeFigureOut">
-              <a:rPr lang="en-US" smtClean="0"/>
+              <a:rPr lang="en-US" dirty="0"/>
               <a:pPr/>
               <a:t>3/19/2019</a:t>
             </a:fld>
@@ -2489,7 +2460,7 @@
           <a:lstStyle/>
           <a:p>
             <a:fld id="{D57F1E4F-1CFF-5643-939E-217C01CDF565}" type="slidenum">
-              <a:rPr lang="en-US" smtClean="0"/>
+              <a:rPr lang="en-US" dirty="0"/>
               <a:pPr/>
               <a:t>‹#›</a:t>
             </a:fld>
@@ -2498,11 +2469,6 @@
         </p:txBody>
       </p:sp>
     </p:spTree>
-    <p:extLst>
-      <p:ext uri="{BB962C8B-B14F-4D97-AF65-F5344CB8AC3E}">
-        <p14:creationId xmlns:p14="http://schemas.microsoft.com/office/powerpoint/2010/main" val="137172228"/>
-      </p:ext>
-    </p:extLst>
   </p:cSld>
   <p:clrMapOvr>
     <a:masterClrMapping/>
@@ -2548,7 +2514,7 @@
           <a:lstStyle/>
           <a:p>
             <a:r>
-              <a:rPr lang="en-US" smtClean="0"/>
+              <a:rPr lang="en-US"/>
               <a:t>Click to edit Master title style</a:t>
             </a:r>
             <a:endParaRPr lang="en-US" dirty="0"/>
@@ -2577,35 +2543,35 @@
           <a:p>
             <a:pPr lvl="0"/>
             <a:r>
-              <a:rPr lang="en-US" smtClean="0"/>
+              <a:rPr lang="en-US"/>
               <a:t>Click to edit Master text styles</a:t>
             </a:r>
           </a:p>
           <a:p>
             <a:pPr lvl="1"/>
             <a:r>
-              <a:rPr lang="en-US" smtClean="0"/>
+              <a:rPr lang="en-US"/>
               <a:t>Second level</a:t>
             </a:r>
           </a:p>
           <a:p>
             <a:pPr lvl="2"/>
             <a:r>
-              <a:rPr lang="en-US" smtClean="0"/>
+              <a:rPr lang="en-US"/>
               <a:t>Third level</a:t>
             </a:r>
           </a:p>
           <a:p>
             <a:pPr lvl="3"/>
             <a:r>
-              <a:rPr lang="en-US" smtClean="0"/>
+              <a:rPr lang="en-US"/>
               <a:t>Fourth level</a:t>
             </a:r>
           </a:p>
           <a:p>
             <a:pPr lvl="4"/>
             <a:r>
-              <a:rPr lang="en-US" smtClean="0"/>
+              <a:rPr lang="en-US"/>
               <a:t>Fifth level</a:t>
             </a:r>
             <a:endParaRPr lang="en-US" dirty="0"/>
@@ -2628,7 +2594,7 @@
           <a:lstStyle/>
           <a:p>
             <a:fld id="{B61BEF0D-F0BB-DE4B-95CE-6DB70DBA9567}" type="datetimeFigureOut">
-              <a:rPr lang="en-US" smtClean="0"/>
+              <a:rPr lang="en-US" dirty="0"/>
               <a:pPr/>
               <a:t>3/19/2019</a:t>
             </a:fld>
@@ -2753,7 +2719,7 @@
           <a:lstStyle/>
           <a:p>
             <a:fld id="{D57F1E4F-1CFF-5643-939E-217C01CDF565}" type="slidenum">
-              <a:rPr lang="en-US" smtClean="0"/>
+              <a:rPr lang="en-US" dirty="0"/>
               <a:pPr/>
               <a:t>‹#›</a:t>
             </a:fld>
@@ -2762,11 +2728,6 @@
         </p:txBody>
       </p:sp>
     </p:spTree>
-    <p:extLst>
-      <p:ext uri="{BB962C8B-B14F-4D97-AF65-F5344CB8AC3E}">
-        <p14:creationId xmlns:p14="http://schemas.microsoft.com/office/powerpoint/2010/main" val="4160010095"/>
-      </p:ext>
-    </p:extLst>
   </p:cSld>
   <p:clrMapOvr>
     <a:masterClrMapping/>
@@ -2812,7 +2773,7 @@
           <a:lstStyle/>
           <a:p>
             <a:r>
-              <a:rPr lang="en-US" smtClean="0"/>
+              <a:rPr lang="en-US"/>
               <a:t>Click to edit Master title style</a:t>
             </a:r>
             <a:endParaRPr lang="en-US" dirty="0"/>
@@ -2841,35 +2802,35 @@
           <a:p>
             <a:pPr lvl="0"/>
             <a:r>
-              <a:rPr lang="en-US" smtClean="0"/>
+              <a:rPr lang="en-US"/>
               <a:t>Click to edit Master text styles</a:t>
             </a:r>
           </a:p>
           <a:p>
             <a:pPr lvl="1"/>
             <a:r>
-              <a:rPr lang="en-US" smtClean="0"/>
+              <a:rPr lang="en-US"/>
               <a:t>Second level</a:t>
             </a:r>
           </a:p>
           <a:p>
             <a:pPr lvl="2"/>
             <a:r>
-              <a:rPr lang="en-US" smtClean="0"/>
+              <a:rPr lang="en-US"/>
               <a:t>Third level</a:t>
             </a:r>
           </a:p>
           <a:p>
             <a:pPr lvl="3"/>
             <a:r>
-              <a:rPr lang="en-US" smtClean="0"/>
+              <a:rPr lang="en-US"/>
               <a:t>Fourth level</a:t>
             </a:r>
           </a:p>
           <a:p>
             <a:pPr lvl="4"/>
             <a:r>
-              <a:rPr lang="en-US" smtClean="0"/>
+              <a:rPr lang="en-US"/>
               <a:t>Fifth level</a:t>
             </a:r>
             <a:endParaRPr lang="en-US" dirty="0"/>
@@ -2891,8 +2852,9 @@
           <a:bodyPr/>
           <a:lstStyle/>
           <a:p>
-            <a:fld id="{05BFA754-D5C3-4E66-96A6-867B257F58DC}" type="datetimeFigureOut">
-              <a:rPr lang="en-US" smtClean="0"/>
+            <a:fld id="{B61BEF0D-F0BB-DE4B-95CE-6DB70DBA9567}" type="datetimeFigureOut">
+              <a:rPr lang="en-US" dirty="0"/>
+              <a:pPr/>
               <a:t>3/19/2019</a:t>
             </a:fld>
             <a:endParaRPr lang="en-US" dirty="0"/>
@@ -3015,8 +2977,9 @@
           <a:bodyPr/>
           <a:lstStyle/>
           <a:p>
-            <a:fld id="{5D84065D-F351-4B03-BD91-D8A6B8D4B362}" type="slidenum">
-              <a:rPr lang="en-US" smtClean="0"/>
+            <a:fld id="{D57F1E4F-1CFF-5643-939E-217C01CDF565}" type="slidenum">
+              <a:rPr lang="en-US" dirty="0"/>
+              <a:pPr/>
               <a:t>‹#›</a:t>
             </a:fld>
             <a:endParaRPr lang="en-US" dirty="0"/>
@@ -3024,11 +2987,6 @@
         </p:txBody>
       </p:sp>
     </p:spTree>
-    <p:extLst>
-      <p:ext uri="{BB962C8B-B14F-4D97-AF65-F5344CB8AC3E}">
-        <p14:creationId xmlns:p14="http://schemas.microsoft.com/office/powerpoint/2010/main" val="2904888011"/>
-      </p:ext>
-    </p:extLst>
   </p:cSld>
   <p:clrMapOvr>
     <a:masterClrMapping/>
@@ -3078,7 +3036,7 @@
           </a:lstStyle>
           <a:p>
             <a:r>
-              <a:rPr lang="en-US" smtClean="0"/>
+              <a:rPr lang="en-US"/>
               <a:t>Click to edit Master title style</a:t>
             </a:r>
             <a:endParaRPr lang="en-US" dirty="0"/>
@@ -3199,7 +3157,7 @@
           <a:p>
             <a:pPr lvl="0"/>
             <a:r>
-              <a:rPr lang="en-US" smtClean="0"/>
+              <a:rPr lang="en-US"/>
               <a:t>Click to edit Master text styles</a:t>
             </a:r>
           </a:p>
@@ -3221,7 +3179,7 @@
           <a:lstStyle/>
           <a:p>
             <a:fld id="{B61BEF0D-F0BB-DE4B-95CE-6DB70DBA9567}" type="datetimeFigureOut">
-              <a:rPr lang="en-US" smtClean="0"/>
+              <a:rPr lang="en-US" dirty="0"/>
               <a:pPr/>
               <a:t>3/19/2019</a:t>
             </a:fld>
@@ -3351,7 +3309,7 @@
           <a:lstStyle/>
           <a:p>
             <a:fld id="{D57F1E4F-1CFF-5643-939E-217C01CDF565}" type="slidenum">
-              <a:rPr lang="en-US" smtClean="0"/>
+              <a:rPr lang="en-US" dirty="0"/>
               <a:pPr/>
               <a:t>‹#›</a:t>
             </a:fld>
@@ -3360,11 +3318,6 @@
         </p:txBody>
       </p:sp>
     </p:spTree>
-    <p:extLst>
-      <p:ext uri="{BB962C8B-B14F-4D97-AF65-F5344CB8AC3E}">
-        <p14:creationId xmlns:p14="http://schemas.microsoft.com/office/powerpoint/2010/main" val="797618046"/>
-      </p:ext>
-    </p:extLst>
   </p:cSld>
   <p:clrMapOvr>
     <a:masterClrMapping/>
@@ -3405,7 +3358,7 @@
           <a:lstStyle/>
           <a:p>
             <a:r>
-              <a:rPr lang="en-US" smtClean="0"/>
+              <a:rPr lang="en-US"/>
               <a:t>Click to edit Master title style</a:t>
             </a:r>
             <a:endParaRPr lang="en-US" dirty="0"/>
@@ -3436,35 +3389,35 @@
           <a:p>
             <a:pPr lvl="0"/>
             <a:r>
-              <a:rPr lang="en-US" smtClean="0"/>
+              <a:rPr lang="en-US"/>
               <a:t>Click to edit Master text styles</a:t>
             </a:r>
           </a:p>
           <a:p>
             <a:pPr lvl="1"/>
             <a:r>
-              <a:rPr lang="en-US" smtClean="0"/>
+              <a:rPr lang="en-US"/>
               <a:t>Second level</a:t>
             </a:r>
           </a:p>
           <a:p>
             <a:pPr lvl="2"/>
             <a:r>
-              <a:rPr lang="en-US" smtClean="0"/>
+              <a:rPr lang="en-US"/>
               <a:t>Third level</a:t>
             </a:r>
           </a:p>
           <a:p>
             <a:pPr lvl="3"/>
             <a:r>
-              <a:rPr lang="en-US" smtClean="0"/>
+              <a:rPr lang="en-US"/>
               <a:t>Fourth level</a:t>
             </a:r>
           </a:p>
           <a:p>
             <a:pPr lvl="4"/>
             <a:r>
-              <a:rPr lang="en-US" smtClean="0"/>
+              <a:rPr lang="en-US"/>
               <a:t>Fifth level</a:t>
             </a:r>
             <a:endParaRPr lang="en-US" dirty="0"/>
@@ -3495,35 +3448,35 @@
           <a:p>
             <a:pPr lvl="0"/>
             <a:r>
-              <a:rPr lang="en-US" smtClean="0"/>
+              <a:rPr lang="en-US"/>
               <a:t>Click to edit Master text styles</a:t>
             </a:r>
           </a:p>
           <a:p>
             <a:pPr lvl="1"/>
             <a:r>
-              <a:rPr lang="en-US" smtClean="0"/>
+              <a:rPr lang="en-US"/>
               <a:t>Second level</a:t>
             </a:r>
           </a:p>
           <a:p>
             <a:pPr lvl="2"/>
             <a:r>
-              <a:rPr lang="en-US" smtClean="0"/>
+              <a:rPr lang="en-US"/>
               <a:t>Third level</a:t>
             </a:r>
           </a:p>
           <a:p>
             <a:pPr lvl="3"/>
             <a:r>
-              <a:rPr lang="en-US" smtClean="0"/>
+              <a:rPr lang="en-US"/>
               <a:t>Fourth level</a:t>
             </a:r>
           </a:p>
           <a:p>
             <a:pPr lvl="4"/>
             <a:r>
-              <a:rPr lang="en-US" smtClean="0"/>
+              <a:rPr lang="en-US"/>
               <a:t>Fifth level</a:t>
             </a:r>
             <a:endParaRPr lang="en-US" dirty="0"/>
@@ -3545,8 +3498,9 @@
           <a:bodyPr/>
           <a:lstStyle/>
           <a:p>
-            <a:fld id="{05BFA754-D5C3-4E66-96A6-867B257F58DC}" type="datetimeFigureOut">
-              <a:rPr lang="en-US" smtClean="0"/>
+            <a:fld id="{B61BEF0D-F0BB-DE4B-95CE-6DB70DBA9567}" type="datetimeFigureOut">
+              <a:rPr lang="en-US" dirty="0"/>
+              <a:pPr/>
               <a:t>3/19/2019</a:t>
             </a:fld>
             <a:endParaRPr lang="en-US" dirty="0"/>
@@ -3574,7 +3528,7 @@
       </p:sp>
       <p:sp>
         <p:nvSpPr>
-          <p:cNvPr id="12" name="Freeform 11"/>
+          <p:cNvPr id="10" name="Freeform 11"/>
           <p:cNvSpPr/>
           <p:nvPr/>
         </p:nvSpPr>
@@ -3656,7 +3610,7 @@
       </p:sp>
       <p:sp>
         <p:nvSpPr>
-          <p:cNvPr id="13" name="Slide Number Placeholder 5"/>
+          <p:cNvPr id="11" name="Slide Number Placeholder 5"/>
           <p:cNvSpPr>
             <a:spLocks noGrp="1"/>
           </p:cNvSpPr>
@@ -3674,8 +3628,9 @@
           <a:bodyPr/>
           <a:lstStyle/>
           <a:p>
-            <a:fld id="{5D84065D-F351-4B03-BD91-D8A6B8D4B362}" type="slidenum">
-              <a:rPr lang="en-US" smtClean="0"/>
+            <a:fld id="{D57F1E4F-1CFF-5643-939E-217C01CDF565}" type="slidenum">
+              <a:rPr lang="en-US" dirty="0"/>
+              <a:pPr/>
               <a:t>‹#›</a:t>
             </a:fld>
             <a:endParaRPr lang="en-US" dirty="0"/>
@@ -3683,11 +3638,6 @@
         </p:txBody>
       </p:sp>
     </p:spTree>
-    <p:extLst>
-      <p:ext uri="{BB962C8B-B14F-4D97-AF65-F5344CB8AC3E}">
-        <p14:creationId xmlns:p14="http://schemas.microsoft.com/office/powerpoint/2010/main" val="2192700009"/>
-      </p:ext>
-    </p:extLst>
   </p:cSld>
   <p:clrMapOvr>
     <a:masterClrMapping/>
@@ -3728,7 +3678,7 @@
           <a:lstStyle/>
           <a:p>
             <a:r>
-              <a:rPr lang="en-US" smtClean="0"/>
+              <a:rPr lang="en-US"/>
               <a:t>Click to edit Master title style</a:t>
             </a:r>
             <a:endParaRPr lang="en-US" dirty="0"/>
@@ -3796,7 +3746,7 @@
           <a:p>
             <a:pPr lvl="0"/>
             <a:r>
-              <a:rPr lang="en-US" smtClean="0"/>
+              <a:rPr lang="en-US"/>
               <a:t>Click to edit Master text styles</a:t>
             </a:r>
           </a:p>
@@ -3826,35 +3776,35 @@
           <a:p>
             <a:pPr lvl="0"/>
             <a:r>
-              <a:rPr lang="en-US" smtClean="0"/>
+              <a:rPr lang="en-US"/>
               <a:t>Click to edit Master text styles</a:t>
             </a:r>
           </a:p>
           <a:p>
             <a:pPr lvl="1"/>
             <a:r>
-              <a:rPr lang="en-US" smtClean="0"/>
+              <a:rPr lang="en-US"/>
               <a:t>Second level</a:t>
             </a:r>
           </a:p>
           <a:p>
             <a:pPr lvl="2"/>
             <a:r>
-              <a:rPr lang="en-US" smtClean="0"/>
+              <a:rPr lang="en-US"/>
               <a:t>Third level</a:t>
             </a:r>
           </a:p>
           <a:p>
             <a:pPr lvl="3"/>
             <a:r>
-              <a:rPr lang="en-US" smtClean="0"/>
+              <a:rPr lang="en-US"/>
               <a:t>Fourth level</a:t>
             </a:r>
           </a:p>
           <a:p>
             <a:pPr lvl="4"/>
             <a:r>
-              <a:rPr lang="en-US" smtClean="0"/>
+              <a:rPr lang="en-US"/>
               <a:t>Fifth level</a:t>
             </a:r>
             <a:endParaRPr lang="en-US" dirty="0"/>
@@ -3922,7 +3872,7 @@
           <a:p>
             <a:pPr lvl="0"/>
             <a:r>
-              <a:rPr lang="en-US" smtClean="0"/>
+              <a:rPr lang="en-US"/>
               <a:t>Click to edit Master text styles</a:t>
             </a:r>
           </a:p>
@@ -3952,35 +3902,35 @@
           <a:p>
             <a:pPr lvl="0"/>
             <a:r>
-              <a:rPr lang="en-US" smtClean="0"/>
+              <a:rPr lang="en-US"/>
               <a:t>Click to edit Master text styles</a:t>
             </a:r>
           </a:p>
           <a:p>
             <a:pPr lvl="1"/>
             <a:r>
-              <a:rPr lang="en-US" smtClean="0"/>
+              <a:rPr lang="en-US"/>
               <a:t>Second level</a:t>
             </a:r>
           </a:p>
           <a:p>
             <a:pPr lvl="2"/>
             <a:r>
-              <a:rPr lang="en-US" smtClean="0"/>
+              <a:rPr lang="en-US"/>
               <a:t>Third level</a:t>
             </a:r>
           </a:p>
           <a:p>
             <a:pPr lvl="3"/>
             <a:r>
-              <a:rPr lang="en-US" smtClean="0"/>
+              <a:rPr lang="en-US"/>
               <a:t>Fourth level</a:t>
             </a:r>
           </a:p>
           <a:p>
             <a:pPr lvl="4"/>
             <a:r>
-              <a:rPr lang="en-US" smtClean="0"/>
+              <a:rPr lang="en-US"/>
               <a:t>Fifth level</a:t>
             </a:r>
             <a:endParaRPr lang="en-US" dirty="0"/>
@@ -4003,7 +3953,7 @@
           <a:lstStyle/>
           <a:p>
             <a:fld id="{B61BEF0D-F0BB-DE4B-95CE-6DB70DBA9567}" type="datetimeFigureOut">
-              <a:rPr lang="en-US" smtClean="0"/>
+              <a:rPr lang="en-US" dirty="0"/>
               <a:pPr/>
               <a:t>3/19/2019</a:t>
             </a:fld>
@@ -4133,7 +4083,7 @@
           <a:lstStyle/>
           <a:p>
             <a:fld id="{D57F1E4F-1CFF-5643-939E-217C01CDF565}" type="slidenum">
-              <a:rPr lang="en-US" smtClean="0"/>
+              <a:rPr lang="en-US" dirty="0"/>
               <a:pPr/>
               <a:t>‹#›</a:t>
             </a:fld>
@@ -4142,11 +4092,6 @@
         </p:txBody>
       </p:sp>
     </p:spTree>
-    <p:extLst>
-      <p:ext uri="{BB962C8B-B14F-4D97-AF65-F5344CB8AC3E}">
-        <p14:creationId xmlns:p14="http://schemas.microsoft.com/office/powerpoint/2010/main" val="3690982143"/>
-      </p:ext>
-    </p:extLst>
   </p:cSld>
   <p:clrMapOvr>
     <a:masterClrMapping/>
@@ -4187,7 +4132,7 @@
           <a:lstStyle/>
           <a:p>
             <a:r>
-              <a:rPr lang="en-US" smtClean="0"/>
+              <a:rPr lang="en-US"/>
               <a:t>Click to edit Master title style</a:t>
             </a:r>
             <a:endParaRPr lang="en-US" dirty="0"/>
@@ -4210,7 +4155,7 @@
           <a:lstStyle/>
           <a:p>
             <a:fld id="{B61BEF0D-F0BB-DE4B-95CE-6DB70DBA9567}" type="datetimeFigureOut">
-              <a:rPr lang="en-US" smtClean="0"/>
+              <a:rPr lang="en-US" dirty="0"/>
               <a:pPr/>
               <a:t>3/19/2019</a:t>
             </a:fld>
@@ -4335,7 +4280,7 @@
           <a:lstStyle/>
           <a:p>
             <a:fld id="{D57F1E4F-1CFF-5643-939E-217C01CDF565}" type="slidenum">
-              <a:rPr lang="en-US" smtClean="0"/>
+              <a:rPr lang="en-US" dirty="0"/>
               <a:pPr/>
               <a:t>‹#›</a:t>
             </a:fld>
@@ -4344,11 +4289,6 @@
         </p:txBody>
       </p:sp>
     </p:spTree>
-    <p:extLst>
-      <p:ext uri="{BB962C8B-B14F-4D97-AF65-F5344CB8AC3E}">
-        <p14:creationId xmlns:p14="http://schemas.microsoft.com/office/powerpoint/2010/main" val="289536099"/>
-      </p:ext>
-    </p:extLst>
   </p:cSld>
   <p:clrMapOvr>
     <a:masterClrMapping/>
@@ -4389,7 +4329,7 @@
           <a:lstStyle/>
           <a:p>
             <a:fld id="{B61BEF0D-F0BB-DE4B-95CE-6DB70DBA9567}" type="datetimeFigureOut">
-              <a:rPr lang="en-US" smtClean="0"/>
+              <a:rPr lang="en-US" dirty="0"/>
               <a:pPr/>
               <a:t>3/19/2019</a:t>
             </a:fld>
@@ -4514,7 +4454,7 @@
           <a:lstStyle/>
           <a:p>
             <a:fld id="{D57F1E4F-1CFF-5643-939E-217C01CDF565}" type="slidenum">
-              <a:rPr lang="en-US" smtClean="0"/>
+              <a:rPr lang="en-US" dirty="0"/>
               <a:pPr/>
               <a:t>‹#›</a:t>
             </a:fld>
@@ -4523,11 +4463,6 @@
         </p:txBody>
       </p:sp>
     </p:spTree>
-    <p:extLst>
-      <p:ext uri="{BB962C8B-B14F-4D97-AF65-F5344CB8AC3E}">
-        <p14:creationId xmlns:p14="http://schemas.microsoft.com/office/powerpoint/2010/main" val="128512509"/>
-      </p:ext>
-    </p:extLst>
   </p:cSld>
   <p:clrMapOvr>
     <a:masterClrMapping/>
@@ -4577,7 +4512,7 @@
           </a:lstStyle>
           <a:p>
             <a:r>
-              <a:rPr lang="en-US" smtClean="0"/>
+              <a:rPr lang="en-US"/>
               <a:t>Click to edit Master title style</a:t>
             </a:r>
             <a:endParaRPr lang="en-US" dirty="0"/>
@@ -4608,35 +4543,35 @@
           <a:p>
             <a:pPr lvl="0"/>
             <a:r>
-              <a:rPr lang="en-US" smtClean="0"/>
+              <a:rPr lang="en-US"/>
               <a:t>Click to edit Master text styles</a:t>
             </a:r>
           </a:p>
           <a:p>
             <a:pPr lvl="1"/>
             <a:r>
-              <a:rPr lang="en-US" smtClean="0"/>
+              <a:rPr lang="en-US"/>
               <a:t>Second level</a:t>
             </a:r>
           </a:p>
           <a:p>
             <a:pPr lvl="2"/>
             <a:r>
-              <a:rPr lang="en-US" smtClean="0"/>
+              <a:rPr lang="en-US"/>
               <a:t>Third level</a:t>
             </a:r>
           </a:p>
           <a:p>
             <a:pPr lvl="3"/>
             <a:r>
-              <a:rPr lang="en-US" smtClean="0"/>
+              <a:rPr lang="en-US"/>
               <a:t>Fourth level</a:t>
             </a:r>
           </a:p>
           <a:p>
             <a:pPr lvl="4"/>
             <a:r>
-              <a:rPr lang="en-US" smtClean="0"/>
+              <a:rPr lang="en-US"/>
               <a:t>Fifth level</a:t>
             </a:r>
             <a:endParaRPr lang="en-US" dirty="0"/>
@@ -4702,7 +4637,7 @@
           <a:p>
             <a:pPr lvl="0"/>
             <a:r>
-              <a:rPr lang="en-US" smtClean="0"/>
+              <a:rPr lang="en-US"/>
               <a:t>Click to edit Master text styles</a:t>
             </a:r>
           </a:p>
@@ -4724,7 +4659,7 @@
           <a:lstStyle/>
           <a:p>
             <a:fld id="{B61BEF0D-F0BB-DE4B-95CE-6DB70DBA9567}" type="datetimeFigureOut">
-              <a:rPr lang="en-US" smtClean="0"/>
+              <a:rPr lang="en-US" dirty="0"/>
               <a:pPr/>
               <a:t>3/19/2019</a:t>
             </a:fld>
@@ -4849,7 +4784,7 @@
           <a:lstStyle/>
           <a:p>
             <a:fld id="{D57F1E4F-1CFF-5643-939E-217C01CDF565}" type="slidenum">
-              <a:rPr lang="en-US" smtClean="0"/>
+              <a:rPr lang="en-US" dirty="0"/>
               <a:pPr/>
               <a:t>‹#›</a:t>
             </a:fld>
@@ -4858,11 +4793,6 @@
         </p:txBody>
       </p:sp>
     </p:spTree>
-    <p:extLst>
-      <p:ext uri="{BB962C8B-B14F-4D97-AF65-F5344CB8AC3E}">
-        <p14:creationId xmlns:p14="http://schemas.microsoft.com/office/powerpoint/2010/main" val="3886458717"/>
-      </p:ext>
-    </p:extLst>
   </p:cSld>
   <p:clrMapOvr>
     <a:masterClrMapping/>
@@ -4914,7 +4844,7 @@
           </a:lstStyle>
           <a:p>
             <a:r>
-              <a:rPr lang="en-US" smtClean="0"/>
+              <a:rPr lang="en-US"/>
               <a:t>Click to edit Master title style</a:t>
             </a:r>
             <a:endParaRPr lang="en-US" dirty="0"/>
@@ -4981,7 +4911,7 @@
           </a:lstStyle>
           <a:p>
             <a:r>
-              <a:rPr lang="en-US" smtClean="0"/>
+              <a:rPr lang="en-US"/>
               <a:t>Click icon to add picture</a:t>
             </a:r>
             <a:endParaRPr lang="en-US" dirty="0"/>
@@ -5049,7 +4979,7 @@
           <a:p>
             <a:pPr lvl="0"/>
             <a:r>
-              <a:rPr lang="en-US" smtClean="0"/>
+              <a:rPr lang="en-US"/>
               <a:t>Click to edit Master text styles</a:t>
             </a:r>
           </a:p>
@@ -5071,7 +5001,7 @@
           <a:lstStyle/>
           <a:p>
             <a:fld id="{B61BEF0D-F0BB-DE4B-95CE-6DB70DBA9567}" type="datetimeFigureOut">
-              <a:rPr lang="en-US" smtClean="0"/>
+              <a:rPr lang="en-US" dirty="0"/>
               <a:pPr/>
               <a:t>3/19/2019</a:t>
             </a:fld>
@@ -5201,7 +5131,7 @@
           <a:lstStyle/>
           <a:p>
             <a:fld id="{D57F1E4F-1CFF-5643-939E-217C01CDF565}" type="slidenum">
-              <a:rPr lang="en-US" smtClean="0"/>
+              <a:rPr lang="en-US" dirty="0"/>
               <a:pPr/>
               <a:t>‹#›</a:t>
             </a:fld>
@@ -5210,11 +5140,6 @@
         </p:txBody>
       </p:sp>
     </p:spTree>
-    <p:extLst>
-      <p:ext uri="{BB962C8B-B14F-4D97-AF65-F5344CB8AC3E}">
-        <p14:creationId xmlns:p14="http://schemas.microsoft.com/office/powerpoint/2010/main" val="2038845875"/>
-      </p:ext>
-    </p:extLst>
   </p:cSld>
   <p:clrMapOvr>
     <a:masterClrMapping/>
@@ -6124,10 +6049,10 @@
         </p:nvGrpSpPr>
         <p:grpSpPr>
           <a:xfrm>
-            <a:off x="27221" y="157"/>
-            <a:ext cx="2356674" cy="6853096"/>
-            <a:chOff x="6627813" y="195610"/>
-            <a:chExt cx="1952625" cy="5678141"/>
+            <a:off x="27221" y="-786"/>
+            <a:ext cx="2356674" cy="6854039"/>
+            <a:chOff x="6627813" y="194833"/>
+            <a:chExt cx="1952625" cy="5678918"/>
           </a:xfrm>
         </p:grpSpPr>
         <p:sp>
@@ -6138,7 +6063,7 @@
           </p:nvSpPr>
           <p:spPr bwMode="auto">
             <a:xfrm>
-              <a:off x="6627813" y="195610"/>
+              <a:off x="6627813" y="194833"/>
               <a:ext cx="409575" cy="3646488"/>
             </a:xfrm>
             <a:custGeom>
@@ -7087,7 +7012,7 @@
           <a:lstStyle/>
           <a:p>
             <a:r>
-              <a:rPr lang="en-US" smtClean="0"/>
+              <a:rPr lang="en-US"/>
               <a:t>Click to edit Master title style</a:t>
             </a:r>
             <a:endParaRPr lang="en-US" dirty="0"/>
@@ -7121,35 +7046,35 @@
           <a:p>
             <a:pPr lvl="0"/>
             <a:r>
-              <a:rPr lang="en-US" smtClean="0"/>
+              <a:rPr lang="en-US"/>
               <a:t>Click to edit Master text styles</a:t>
             </a:r>
           </a:p>
           <a:p>
             <a:pPr lvl="1"/>
             <a:r>
-              <a:rPr lang="en-US" smtClean="0"/>
+              <a:rPr lang="en-US"/>
               <a:t>Second level</a:t>
             </a:r>
           </a:p>
           <a:p>
             <a:pPr lvl="2"/>
             <a:r>
-              <a:rPr lang="en-US" smtClean="0"/>
+              <a:rPr lang="en-US"/>
               <a:t>Third level</a:t>
             </a:r>
           </a:p>
           <a:p>
             <a:pPr lvl="3"/>
             <a:r>
-              <a:rPr lang="en-US" smtClean="0"/>
+              <a:rPr lang="en-US"/>
               <a:t>Fourth level</a:t>
             </a:r>
           </a:p>
           <a:p>
             <a:pPr lvl="4"/>
             <a:r>
-              <a:rPr lang="en-US" smtClean="0"/>
+              <a:rPr lang="en-US"/>
               <a:t>Fifth level</a:t>
             </a:r>
             <a:endParaRPr lang="en-US" dirty="0"/>
@@ -7190,7 +7115,7 @@
           </a:lstStyle>
           <a:p>
             <a:fld id="{B61BEF0D-F0BB-DE4B-95CE-6DB70DBA9567}" type="datetimeFigureOut">
-              <a:rPr lang="en-US" smtClean="0"/>
+              <a:rPr lang="en-US" dirty="0"/>
               <a:pPr/>
               <a:t>3/19/2019</a:t>
             </a:fld>
@@ -7267,7 +7192,7 @@
           </a:lstStyle>
           <a:p>
             <a:fld id="{D57F1E4F-1CFF-5643-939E-217C01CDF565}" type="slidenum">
-              <a:rPr lang="en-US" smtClean="0"/>
+              <a:rPr lang="en-US" dirty="0"/>
               <a:pPr/>
               <a:t>‹#›</a:t>
             </a:fld>
@@ -7276,30 +7201,25 @@
         </p:txBody>
       </p:sp>
     </p:spTree>
-    <p:extLst>
-      <p:ext uri="{BB962C8B-B14F-4D97-AF65-F5344CB8AC3E}">
-        <p14:creationId xmlns:p14="http://schemas.microsoft.com/office/powerpoint/2010/main" val="3080220336"/>
-      </p:ext>
-    </p:extLst>
   </p:cSld>
   <p:clrMap bg1="lt1" tx1="dk1" bg2="lt2" tx2="dk2" accent1="accent1" accent2="accent2" accent3="accent3" accent4="accent4" accent5="accent5" accent6="accent6" hlink="hlink" folHlink="folHlink"/>
   <p:sldLayoutIdLst>
-    <p:sldLayoutId id="2147483790" r:id="rId1"/>
-    <p:sldLayoutId id="2147483791" r:id="rId2"/>
-    <p:sldLayoutId id="2147483792" r:id="rId3"/>
-    <p:sldLayoutId id="2147483793" r:id="rId4"/>
-    <p:sldLayoutId id="2147483794" r:id="rId5"/>
-    <p:sldLayoutId id="2147483795" r:id="rId6"/>
-    <p:sldLayoutId id="2147483796" r:id="rId7"/>
-    <p:sldLayoutId id="2147483797" r:id="rId8"/>
-    <p:sldLayoutId id="2147483798" r:id="rId9"/>
-    <p:sldLayoutId id="2147483799" r:id="rId10"/>
-    <p:sldLayoutId id="2147483800" r:id="rId11"/>
-    <p:sldLayoutId id="2147483801" r:id="rId12"/>
-    <p:sldLayoutId id="2147483802" r:id="rId13"/>
-    <p:sldLayoutId id="2147483803" r:id="rId14"/>
-    <p:sldLayoutId id="2147483804" r:id="rId15"/>
-    <p:sldLayoutId id="2147483805" r:id="rId16"/>
+    <p:sldLayoutId id="2147483649" r:id="rId1"/>
+    <p:sldLayoutId id="2147483650" r:id="rId2"/>
+    <p:sldLayoutId id="2147483651" r:id="rId3"/>
+    <p:sldLayoutId id="2147483652" r:id="rId4"/>
+    <p:sldLayoutId id="2147483653" r:id="rId5"/>
+    <p:sldLayoutId id="2147483654" r:id="rId6"/>
+    <p:sldLayoutId id="2147483655" r:id="rId7"/>
+    <p:sldLayoutId id="2147483656" r:id="rId8"/>
+    <p:sldLayoutId id="2147483657" r:id="rId9"/>
+    <p:sldLayoutId id="2147483660" r:id="rId10"/>
+    <p:sldLayoutId id="2147483661" r:id="rId11"/>
+    <p:sldLayoutId id="2147483662" r:id="rId12"/>
+    <p:sldLayoutId id="2147483663" r:id="rId13"/>
+    <p:sldLayoutId id="2147483664" r:id="rId14"/>
+    <p:sldLayoutId id="2147483658" r:id="rId15"/>
+    <p:sldLayoutId id="2147483659" r:id="rId16"/>
   </p:sldLayoutIdLst>
   <p:txStyles>
     <p:titleStyle>
@@ -7310,8 +7230,9 @@
         <a:buNone/>
         <a:defRPr sz="3600" kern="1200">
           <a:solidFill>
-            <a:schemeClr val="accent2">
-              <a:lumMod val="75000"/>
+            <a:schemeClr val="tx1">
+              <a:lumMod val="85000"/>
+              <a:lumOff val="15000"/>
             </a:schemeClr>
           </a:solidFill>
           <a:latin typeface="+mj-lt"/>
@@ -7694,22 +7615,8 @@
 </file>
 
 <file path=ppt/slides/slide1.xml><?xml version="1.0" encoding="utf-8"?>
-<p:sld xmlns:a="http://schemas.openxmlformats.org/drawingml/2006/main" xmlns:r="http://schemas.openxmlformats.org/officeDocument/2006/relationships" xmlns:p="http://schemas.openxmlformats.org/presentationml/2006/main" showMasterSp="0">
+<p:sld xmlns:a="http://schemas.openxmlformats.org/drawingml/2006/main" xmlns:r="http://schemas.openxmlformats.org/officeDocument/2006/relationships" xmlns:p="http://schemas.openxmlformats.org/presentationml/2006/main">
   <p:cSld>
-    <p:bg>
-      <p:bgPr>
-        <a:blipFill dpi="0" rotWithShape="1">
-          <a:blip r:embed="rId2">
-            <a:lum/>
-          </a:blip>
-          <a:srcRect/>
-          <a:stretch>
-            <a:fillRect t="-9000" b="-9000"/>
-          </a:stretch>
-        </a:blipFill>
-        <a:effectLst/>
-      </p:bgPr>
-    </p:bg>
     <p:spTree>
       <p:nvGrpSpPr>
         <p:cNvPr id="1" name=""/>
@@ -7726,7 +7633,41 @@
       </p:grpSpPr>
       <p:sp>
         <p:nvSpPr>
-          <p:cNvPr id="3" name="Subtitle 2"/>
+          <p:cNvPr id="2" name="Title 1">
+            <a:extLst>
+              <a:ext uri="{FF2B5EF4-FFF2-40B4-BE49-F238E27FC236}">
+                <a16:creationId xmlns:a16="http://schemas.microsoft.com/office/drawing/2014/main" id="{A1A261B3-130D-46B3-8B4D-14A7E44E03F3}"/>
+              </a:ext>
+            </a:extLst>
+          </p:cNvPr>
+          <p:cNvSpPr>
+            <a:spLocks noGrp="1"/>
+          </p:cNvSpPr>
+          <p:nvPr>
+            <p:ph type="ctrTitle"/>
+          </p:nvPr>
+        </p:nvSpPr>
+        <p:spPr/>
+        <p:txBody>
+          <a:bodyPr/>
+          <a:lstStyle/>
+          <a:p>
+            <a:r>
+              <a:rPr lang="en-US"/>
+              <a:t>IPV6</a:t>
+            </a:r>
+          </a:p>
+        </p:txBody>
+      </p:sp>
+      <p:sp>
+        <p:nvSpPr>
+          <p:cNvPr id="3" name="Subtitle 2">
+            <a:extLst>
+              <a:ext uri="{FF2B5EF4-FFF2-40B4-BE49-F238E27FC236}">
+                <a16:creationId xmlns:a16="http://schemas.microsoft.com/office/drawing/2014/main" id="{7B5211C5-87C0-46F1-AF94-AC021F42F904}"/>
+              </a:ext>
+            </a:extLst>
+          </p:cNvPr>
           <p:cNvSpPr>
             <a:spLocks noGrp="1"/>
           </p:cNvSpPr>
@@ -7734,129 +7675,274 @@
             <p:ph type="subTitle" idx="1"/>
           </p:nvPr>
         </p:nvSpPr>
-        <p:spPr>
-          <a:xfrm>
-            <a:off x="966321" y="4969296"/>
-            <a:ext cx="8915399" cy="1126283"/>
-          </a:xfrm>
-        </p:spPr>
-        <p:txBody>
-          <a:bodyPr>
-            <a:noAutofit/>
-          </a:bodyPr>
-          <a:lstStyle/>
-          <a:p>
-            <a:r>
-              <a:rPr lang="en-US" sz="4000" i="1" u="sng" dirty="0" smtClean="0">
-                <a:solidFill>
-                  <a:schemeClr val="accent6">
-                    <a:lumMod val="75000"/>
-                  </a:schemeClr>
-                </a:solidFill>
-                <a:latin typeface="Times New Roman" panose="02020603050405020304" pitchFamily="18" charset="0"/>
-                <a:cs typeface="Times New Roman" panose="02020603050405020304" pitchFamily="18" charset="0"/>
-              </a:rPr>
-              <a:t>Creator</a:t>
-            </a:r>
-            <a:r>
-              <a:rPr lang="en-US" sz="4000" dirty="0" smtClean="0">
-                <a:solidFill>
-                  <a:schemeClr val="accent6">
-                    <a:lumMod val="75000"/>
-                  </a:schemeClr>
-                </a:solidFill>
-                <a:latin typeface="Times New Roman" panose="02020603050405020304" pitchFamily="18" charset="0"/>
-                <a:cs typeface="Times New Roman" panose="02020603050405020304" pitchFamily="18" charset="0"/>
-              </a:rPr>
-              <a:t>:  </a:t>
-            </a:r>
-            <a:r>
-              <a:rPr lang="en-US" sz="4000" dirty="0" err="1" smtClean="0">
-                <a:latin typeface="Times New Roman" panose="02020603050405020304" pitchFamily="18" charset="0"/>
-                <a:cs typeface="Times New Roman" panose="02020603050405020304" pitchFamily="18" charset="0"/>
-              </a:rPr>
-              <a:t>Hiệp</a:t>
-            </a:r>
-            <a:r>
-              <a:rPr lang="en-US" sz="4000" dirty="0" smtClean="0">
-                <a:latin typeface="Times New Roman" panose="02020603050405020304" pitchFamily="18" charset="0"/>
-                <a:cs typeface="Times New Roman" panose="02020603050405020304" pitchFamily="18" charset="0"/>
-              </a:rPr>
-              <a:t> </a:t>
-            </a:r>
-            <a:r>
-              <a:rPr lang="en-US" sz="4000" dirty="0" err="1" smtClean="0">
-                <a:latin typeface="Times New Roman" panose="02020603050405020304" pitchFamily="18" charset="0"/>
-                <a:cs typeface="Times New Roman" panose="02020603050405020304" pitchFamily="18" charset="0"/>
-              </a:rPr>
-              <a:t>Vũ</a:t>
-            </a:r>
-            <a:endParaRPr lang="en-US" sz="4000" dirty="0" smtClean="0">
-              <a:latin typeface="Times New Roman" panose="02020603050405020304" pitchFamily="18" charset="0"/>
-              <a:cs typeface="Times New Roman" panose="02020603050405020304" pitchFamily="18" charset="0"/>
-            </a:endParaRPr>
-          </a:p>
-          <a:p>
-            <a:r>
-              <a:rPr lang="en-US" sz="4000" dirty="0" smtClean="0">
-                <a:latin typeface="Times New Roman" panose="02020603050405020304" pitchFamily="18" charset="0"/>
-                <a:cs typeface="Times New Roman" panose="02020603050405020304" pitchFamily="18" charset="0"/>
-              </a:rPr>
-              <a:t>			 	 </a:t>
-            </a:r>
-            <a:r>
-              <a:rPr lang="en-US" sz="4000" dirty="0" err="1" smtClean="0">
-                <a:latin typeface="Times New Roman" panose="02020603050405020304" pitchFamily="18" charset="0"/>
-                <a:cs typeface="Times New Roman" panose="02020603050405020304" pitchFamily="18" charset="0"/>
-              </a:rPr>
-              <a:t>Phan</a:t>
-            </a:r>
-            <a:r>
-              <a:rPr lang="en-US" sz="4000" dirty="0" smtClean="0">
-                <a:latin typeface="Times New Roman" panose="02020603050405020304" pitchFamily="18" charset="0"/>
-                <a:cs typeface="Times New Roman" panose="02020603050405020304" pitchFamily="18" charset="0"/>
-              </a:rPr>
-              <a:t> </a:t>
-            </a:r>
-            <a:r>
-              <a:rPr lang="en-US" sz="4000" dirty="0" err="1" smtClean="0">
-                <a:latin typeface="Times New Roman" panose="02020603050405020304" pitchFamily="18" charset="0"/>
-                <a:cs typeface="Times New Roman" panose="02020603050405020304" pitchFamily="18" charset="0"/>
-              </a:rPr>
-              <a:t>Sơn</a:t>
-            </a:r>
-            <a:endParaRPr lang="en-US" sz="4000" dirty="0">
-              <a:latin typeface="Times New Roman" panose="02020603050405020304" pitchFamily="18" charset="0"/>
-              <a:cs typeface="Times New Roman" panose="02020603050405020304" pitchFamily="18" charset="0"/>
-            </a:endParaRPr>
+        <p:spPr/>
+        <p:txBody>
+          <a:bodyPr/>
+          <a:lstStyle/>
+          <a:p>
+            <a:endParaRPr lang="en-US"/>
           </a:p>
         </p:txBody>
       </p:sp>
     </p:spTree>
     <p:extLst>
       <p:ext uri="{BB962C8B-B14F-4D97-AF65-F5344CB8AC3E}">
-        <p14:creationId xmlns:p14="http://schemas.microsoft.com/office/powerpoint/2010/main" val="2953497357"/>
+        <p14:creationId xmlns:p14="http://schemas.microsoft.com/office/powerpoint/2010/main" val="685107685"/>
       </p:ext>
     </p:extLst>
   </p:cSld>
   <p:clrMapOvr>
     <a:masterClrMapping/>
   </p:clrMapOvr>
-  <mc:AlternateContent xmlns:mc="http://schemas.openxmlformats.org/markup-compatibility/2006" xmlns:p14="http://schemas.microsoft.com/office/powerpoint/2010/main">
-    <mc:Choice Requires="p14">
-      <p:transition spd="slow" p14:dur="2000"/>
-    </mc:Choice>
-    <mc:Fallback xmlns="">
-      <p:transition spd="slow"/>
-    </mc:Fallback>
-  </mc:AlternateContent>
-  <p:timing>
-    <p:tnLst>
-      <p:par>
-        <p:cTn id="1" dur="indefinite" restart="never" nodeType="tmRoot"/>
-      </p:par>
-    </p:tnLst>
-  </p:timing>
+</p:sld>
+</file>
+
+<file path=ppt/slides/slide10.xml><?xml version="1.0" encoding="utf-8"?>
+<p:sld xmlns:a="http://schemas.openxmlformats.org/drawingml/2006/main" xmlns:r="http://schemas.openxmlformats.org/officeDocument/2006/relationships" xmlns:p="http://schemas.openxmlformats.org/presentationml/2006/main">
+  <p:cSld>
+    <p:spTree>
+      <p:nvGrpSpPr>
+        <p:cNvPr id="1" name=""/>
+        <p:cNvGrpSpPr/>
+        <p:nvPr/>
+      </p:nvGrpSpPr>
+      <p:grpSpPr>
+        <a:xfrm>
+          <a:off x="0" y="0"/>
+          <a:ext cx="0" cy="0"/>
+          <a:chOff x="0" y="0"/>
+          <a:chExt cx="0" cy="0"/>
+        </a:xfrm>
+      </p:grpSpPr>
+      <p:sp>
+        <p:nvSpPr>
+          <p:cNvPr id="2" name="Title 1">
+            <a:extLst>
+              <a:ext uri="{FF2B5EF4-FFF2-40B4-BE49-F238E27FC236}">
+                <a16:creationId xmlns:a16="http://schemas.microsoft.com/office/drawing/2014/main" id="{2085472C-6AA7-4475-B4C5-020FB09AC7C6}"/>
+              </a:ext>
+            </a:extLst>
+          </p:cNvPr>
+          <p:cNvSpPr>
+            <a:spLocks noGrp="1"/>
+          </p:cNvSpPr>
+          <p:nvPr>
+            <p:ph type="title"/>
+          </p:nvPr>
+        </p:nvSpPr>
+        <p:spPr/>
+        <p:txBody>
+          <a:bodyPr/>
+          <a:lstStyle/>
+          <a:p>
+            <a:r>
+              <a:rPr lang="en-US"/>
+              <a:t>Internet multicasting</a:t>
+            </a:r>
+          </a:p>
+        </p:txBody>
+      </p:sp>
+      <p:sp>
+        <p:nvSpPr>
+          <p:cNvPr id="3" name="Content Placeholder 2">
+            <a:extLst>
+              <a:ext uri="{FF2B5EF4-FFF2-40B4-BE49-F238E27FC236}">
+                <a16:creationId xmlns:a16="http://schemas.microsoft.com/office/drawing/2014/main" id="{4063AB1F-9A1F-4BDC-86C9-E4E8D1E2877A}"/>
+              </a:ext>
+            </a:extLst>
+          </p:cNvPr>
+          <p:cNvSpPr>
+            <a:spLocks noGrp="1"/>
+          </p:cNvSpPr>
+          <p:nvPr>
+            <p:ph idx="1"/>
+          </p:nvPr>
+        </p:nvSpPr>
+        <p:spPr/>
+        <p:txBody>
+          <a:bodyPr/>
+          <a:lstStyle/>
+          <a:p>
+            <a:endParaRPr lang="en-US"/>
+          </a:p>
+        </p:txBody>
+      </p:sp>
+    </p:spTree>
+    <p:extLst>
+      <p:ext uri="{BB962C8B-B14F-4D97-AF65-F5344CB8AC3E}">
+        <p14:creationId xmlns:p14="http://schemas.microsoft.com/office/powerpoint/2010/main" val="2730520153"/>
+      </p:ext>
+    </p:extLst>
+  </p:cSld>
+  <p:clrMapOvr>
+    <a:masterClrMapping/>
+  </p:clrMapOvr>
+</p:sld>
+</file>
+
+<file path=ppt/slides/slide11.xml><?xml version="1.0" encoding="utf-8"?>
+<p:sld xmlns:a="http://schemas.openxmlformats.org/drawingml/2006/main" xmlns:r="http://schemas.openxmlformats.org/officeDocument/2006/relationships" xmlns:p="http://schemas.openxmlformats.org/presentationml/2006/main">
+  <p:cSld>
+    <p:spTree>
+      <p:nvGrpSpPr>
+        <p:cNvPr id="1" name=""/>
+        <p:cNvGrpSpPr/>
+        <p:nvPr/>
+      </p:nvGrpSpPr>
+      <p:grpSpPr>
+        <a:xfrm>
+          <a:off x="0" y="0"/>
+          <a:ext cx="0" cy="0"/>
+          <a:chOff x="0" y="0"/>
+          <a:chExt cx="0" cy="0"/>
+        </a:xfrm>
+      </p:grpSpPr>
+      <p:sp>
+        <p:nvSpPr>
+          <p:cNvPr id="2" name="Title 1">
+            <a:extLst>
+              <a:ext uri="{FF2B5EF4-FFF2-40B4-BE49-F238E27FC236}">
+                <a16:creationId xmlns:a16="http://schemas.microsoft.com/office/drawing/2014/main" id="{3E4F56C1-4D4E-48B3-B2C6-633AD092D5D3}"/>
+              </a:ext>
+            </a:extLst>
+          </p:cNvPr>
+          <p:cNvSpPr>
+            <a:spLocks noGrp="1"/>
+          </p:cNvSpPr>
+          <p:nvPr>
+            <p:ph type="title"/>
+          </p:nvPr>
+        </p:nvSpPr>
+        <p:spPr/>
+        <p:txBody>
+          <a:bodyPr/>
+          <a:lstStyle/>
+          <a:p>
+            <a:r>
+              <a:rPr lang="en-US"/>
+              <a:t>Mobile IP </a:t>
+            </a:r>
+          </a:p>
+        </p:txBody>
+      </p:sp>
+      <p:sp>
+        <p:nvSpPr>
+          <p:cNvPr id="3" name="Content Placeholder 2">
+            <a:extLst>
+              <a:ext uri="{FF2B5EF4-FFF2-40B4-BE49-F238E27FC236}">
+                <a16:creationId xmlns:a16="http://schemas.microsoft.com/office/drawing/2014/main" id="{FD4338A5-B450-4B27-B9CE-FFC805A87416}"/>
+              </a:ext>
+            </a:extLst>
+          </p:cNvPr>
+          <p:cNvSpPr>
+            <a:spLocks noGrp="1"/>
+          </p:cNvSpPr>
+          <p:nvPr>
+            <p:ph idx="1"/>
+          </p:nvPr>
+        </p:nvSpPr>
+        <p:spPr/>
+        <p:txBody>
+          <a:bodyPr/>
+          <a:lstStyle/>
+          <a:p>
+            <a:endParaRPr lang="en-US"/>
+          </a:p>
+        </p:txBody>
+      </p:sp>
+    </p:spTree>
+    <p:extLst>
+      <p:ext uri="{BB962C8B-B14F-4D97-AF65-F5344CB8AC3E}">
+        <p14:creationId xmlns:p14="http://schemas.microsoft.com/office/powerpoint/2010/main" val="3872107176"/>
+      </p:ext>
+    </p:extLst>
+  </p:cSld>
+  <p:clrMapOvr>
+    <a:masterClrMapping/>
+  </p:clrMapOvr>
+</p:sld>
+</file>
+
+<file path=ppt/slides/slide12.xml><?xml version="1.0" encoding="utf-8"?>
+<p:sld xmlns:a="http://schemas.openxmlformats.org/drawingml/2006/main" xmlns:r="http://schemas.openxmlformats.org/officeDocument/2006/relationships" xmlns:p="http://schemas.openxmlformats.org/presentationml/2006/main">
+  <p:cSld>
+    <p:spTree>
+      <p:nvGrpSpPr>
+        <p:cNvPr id="1" name=""/>
+        <p:cNvGrpSpPr/>
+        <p:nvPr/>
+      </p:nvGrpSpPr>
+      <p:grpSpPr>
+        <a:xfrm>
+          <a:off x="0" y="0"/>
+          <a:ext cx="0" cy="0"/>
+          <a:chOff x="0" y="0"/>
+          <a:chExt cx="0" cy="0"/>
+        </a:xfrm>
+      </p:grpSpPr>
+      <p:sp>
+        <p:nvSpPr>
+          <p:cNvPr id="2" name="Title 1">
+            <a:extLst>
+              <a:ext uri="{FF2B5EF4-FFF2-40B4-BE49-F238E27FC236}">
+                <a16:creationId xmlns:a16="http://schemas.microsoft.com/office/drawing/2014/main" id="{1E2C5E09-9CF6-4294-A227-05EDA5839124}"/>
+              </a:ext>
+            </a:extLst>
+          </p:cNvPr>
+          <p:cNvSpPr>
+            <a:spLocks noGrp="1"/>
+          </p:cNvSpPr>
+          <p:nvPr>
+            <p:ph type="title"/>
+          </p:nvPr>
+        </p:nvSpPr>
+        <p:spPr/>
+        <p:txBody>
+          <a:bodyPr/>
+          <a:lstStyle/>
+          <a:p>
+            <a:r>
+              <a:rPr lang="en-US"/>
+              <a:t>SUMMARY</a:t>
+            </a:r>
+          </a:p>
+        </p:txBody>
+      </p:sp>
+      <p:sp>
+        <p:nvSpPr>
+          <p:cNvPr id="3" name="Content Placeholder 2">
+            <a:extLst>
+              <a:ext uri="{FF2B5EF4-FFF2-40B4-BE49-F238E27FC236}">
+                <a16:creationId xmlns:a16="http://schemas.microsoft.com/office/drawing/2014/main" id="{44751065-2BFB-4277-9D30-478D670E41C6}"/>
+              </a:ext>
+            </a:extLst>
+          </p:cNvPr>
+          <p:cNvSpPr>
+            <a:spLocks noGrp="1"/>
+          </p:cNvSpPr>
+          <p:nvPr>
+            <p:ph idx="1"/>
+          </p:nvPr>
+        </p:nvSpPr>
+        <p:spPr/>
+        <p:txBody>
+          <a:bodyPr/>
+          <a:lstStyle/>
+          <a:p>
+            <a:endParaRPr lang="en-US"/>
+          </a:p>
+        </p:txBody>
+      </p:sp>
+    </p:spTree>
+    <p:extLst>
+      <p:ext uri="{BB962C8B-B14F-4D97-AF65-F5344CB8AC3E}">
+        <p14:creationId xmlns:p14="http://schemas.microsoft.com/office/powerpoint/2010/main" val="1669378897"/>
+      </p:ext>
+    </p:extLst>
+  </p:cSld>
+  <p:clrMapOvr>
+    <a:masterClrMapping/>
+  </p:clrMapOvr>
 </p:sld>
 </file>
 
@@ -7879,7 +7965,13 @@
       </p:grpSpPr>
       <p:sp>
         <p:nvSpPr>
-          <p:cNvPr id="2" name="Title 1"/>
+          <p:cNvPr id="2" name="Title 1">
+            <a:extLst>
+              <a:ext uri="{FF2B5EF4-FFF2-40B4-BE49-F238E27FC236}">
+                <a16:creationId xmlns:a16="http://schemas.microsoft.com/office/drawing/2014/main" id="{528CCF4B-E3B4-47EF-9893-F62AD00E5945}"/>
+              </a:ext>
+            </a:extLst>
+          </p:cNvPr>
           <p:cNvSpPr>
             <a:spLocks noGrp="1"/>
           </p:cNvSpPr>
@@ -7887,35 +7979,24 @@
             <p:ph type="title"/>
           </p:nvPr>
         </p:nvSpPr>
-        <p:spPr>
-          <a:xfrm>
-            <a:off x="2589212" y="462745"/>
-            <a:ext cx="8911687" cy="1280890"/>
-          </a:xfrm>
-        </p:spPr>
-        <p:txBody>
-          <a:bodyPr>
-            <a:normAutofit fontScale="90000"/>
-          </a:bodyPr>
-          <a:lstStyle/>
-          <a:p>
-            <a:r>
-              <a:rPr lang="en-US" sz="6000" b="1" dirty="0" smtClean="0">
-                <a:latin typeface="Times New Roman" panose="02020603050405020304" pitchFamily="18" charset="0"/>
-                <a:cs typeface="Times New Roman" panose="02020603050405020304" pitchFamily="18" charset="0"/>
-              </a:rPr>
-              <a:t>IPv6 – What is it and why?</a:t>
-            </a:r>
-            <a:endParaRPr lang="en-US" sz="6000" b="1" dirty="0">
-              <a:latin typeface="Times New Roman" panose="02020603050405020304" pitchFamily="18" charset="0"/>
-              <a:cs typeface="Times New Roman" panose="02020603050405020304" pitchFamily="18" charset="0"/>
-            </a:endParaRPr>
-          </a:p>
-        </p:txBody>
-      </p:sp>
-      <p:sp>
-        <p:nvSpPr>
-          <p:cNvPr id="13" name="Content Placeholder 12"/>
+        <p:spPr/>
+        <p:txBody>
+          <a:bodyPr/>
+          <a:lstStyle/>
+          <a:p>
+            <a:endParaRPr lang="en-US"/>
+          </a:p>
+        </p:txBody>
+      </p:sp>
+      <p:sp>
+        <p:nvSpPr>
+          <p:cNvPr id="3" name="Content Placeholder 2">
+            <a:extLst>
+              <a:ext uri="{FF2B5EF4-FFF2-40B4-BE49-F238E27FC236}">
+                <a16:creationId xmlns:a16="http://schemas.microsoft.com/office/drawing/2014/main" id="{1687450B-5C64-4E9B-8C73-FB08EFF6BB79}"/>
+              </a:ext>
+            </a:extLst>
+          </p:cNvPr>
           <p:cNvSpPr>
             <a:spLocks noGrp="1"/>
           </p:cNvSpPr>
@@ -7925,92 +8006,74 @@
         </p:nvSpPr>
         <p:spPr/>
         <p:txBody>
-          <a:bodyPr>
-            <a:normAutofit/>
-          </a:bodyPr>
-          <a:lstStyle/>
-          <a:p>
-            <a:r>
-              <a:rPr lang="en-US" sz="3000" dirty="0" smtClean="0">
-                <a:latin typeface="Times New Roman" panose="02020603050405020304" pitchFamily="18" charset="0"/>
-                <a:cs typeface="Times New Roman" panose="02020603050405020304" pitchFamily="18" charset="0"/>
-              </a:rPr>
-              <a:t>IPv6 (Internet Protocol version 6): New IP addressing Structure</a:t>
-            </a:r>
-          </a:p>
-          <a:p>
-            <a:r>
-              <a:rPr lang="en-US" sz="3000" dirty="0" smtClean="0">
-                <a:latin typeface="Times New Roman" panose="02020603050405020304" pitchFamily="18" charset="0"/>
-                <a:cs typeface="Times New Roman" panose="02020603050405020304" pitchFamily="18" charset="0"/>
-              </a:rPr>
-              <a:t>128-bit address represented as 32 hex digits</a:t>
-            </a:r>
-          </a:p>
-          <a:p>
-            <a:r>
-              <a:rPr lang="en-US" sz="3000" dirty="0" smtClean="0">
-                <a:latin typeface="Times New Roman" panose="02020603050405020304" pitchFamily="18" charset="0"/>
-                <a:cs typeface="Times New Roman" panose="02020603050405020304" pitchFamily="18" charset="0"/>
-              </a:rPr>
-              <a:t>Address is composed of 8 groups of 4 hex digits</a:t>
-            </a:r>
-          </a:p>
-          <a:p>
-            <a:r>
-              <a:rPr lang="en-US" sz="3000" dirty="0" smtClean="0">
-                <a:latin typeface="Times New Roman" panose="02020603050405020304" pitchFamily="18" charset="0"/>
-                <a:cs typeface="Times New Roman" panose="02020603050405020304" pitchFamily="18" charset="0"/>
-              </a:rPr>
-              <a:t>Provide 2</a:t>
-            </a:r>
-            <a:r>
-              <a:rPr lang="en-US" sz="3000" baseline="30000" dirty="0" smtClean="0">
-                <a:latin typeface="Times New Roman" panose="02020603050405020304" pitchFamily="18" charset="0"/>
-                <a:cs typeface="Times New Roman" panose="02020603050405020304" pitchFamily="18" charset="0"/>
-              </a:rPr>
-              <a:t>218 </a:t>
-            </a:r>
-            <a:r>
-              <a:rPr lang="en-US" sz="3000" dirty="0" smtClean="0">
-                <a:latin typeface="Times New Roman" panose="02020603050405020304" pitchFamily="18" charset="0"/>
-                <a:cs typeface="Times New Roman" panose="02020603050405020304" pitchFamily="18" charset="0"/>
-              </a:rPr>
-              <a:t>IP addresses</a:t>
-            </a:r>
-          </a:p>
-          <a:p>
-            <a:r>
-              <a:rPr lang="en-US" sz="3000" dirty="0" smtClean="0">
-                <a:latin typeface="Times New Roman" panose="02020603050405020304" pitchFamily="18" charset="0"/>
-                <a:cs typeface="Times New Roman" panose="02020603050405020304" pitchFamily="18" charset="0"/>
-              </a:rPr>
-              <a:t>IPv6 is a “separate Internet” than the IPv4 Internet</a:t>
-            </a:r>
-            <a:endParaRPr lang="en-US" sz="3000" dirty="0">
-              <a:latin typeface="Times New Roman" panose="02020603050405020304" pitchFamily="18" charset="0"/>
-              <a:cs typeface="Times New Roman" panose="02020603050405020304" pitchFamily="18" charset="0"/>
-            </a:endParaRPr>
+          <a:bodyPr/>
+          <a:lstStyle/>
+          <a:p>
+            <a:r>
+              <a:rPr lang="en-US"/>
+              <a:t>1. Support billions of hosts, even with inefficient address allocation. </a:t>
+            </a:r>
+          </a:p>
+          <a:p>
+            <a:r>
+              <a:rPr lang="en-US"/>
+              <a:t>2. Reduce the size of the routing tables. </a:t>
+            </a:r>
+          </a:p>
+          <a:p>
+            <a:r>
+              <a:rPr lang="en-US"/>
+              <a:t>3. Simplify the protocol, to allow routers to process packets faster.</a:t>
+            </a:r>
+          </a:p>
+          <a:p>
+            <a:r>
+              <a:rPr lang="en-US"/>
+              <a:t> 4. Provide better security (authentication and privacy). </a:t>
+            </a:r>
+          </a:p>
+          <a:p>
+            <a:r>
+              <a:rPr lang="en-US"/>
+              <a:t>5. Pay more attention to the type of service, particularly for real-time data.</a:t>
+            </a:r>
+          </a:p>
+          <a:p>
+            <a:r>
+              <a:rPr lang="en-US"/>
+              <a:t>6. Aid multicasting by allowing scopes to be specified. </a:t>
+            </a:r>
+          </a:p>
+          <a:p>
+            <a:r>
+              <a:rPr lang="en-US"/>
+              <a:t>7. Make it possible for a host to roam without changing its address.</a:t>
+            </a:r>
+          </a:p>
+          <a:p>
+            <a:r>
+              <a:rPr lang="en-US"/>
+              <a:t> 8. Allow the protocol to evolve in the future. </a:t>
+            </a:r>
+          </a:p>
+          <a:p>
+            <a:r>
+              <a:rPr lang="en-US"/>
+              <a:t>9. Permit the old and new protocols to coexist for years.</a:t>
+            </a:r>
           </a:p>
         </p:txBody>
       </p:sp>
     </p:spTree>
     <p:extLst>
       <p:ext uri="{BB962C8B-B14F-4D97-AF65-F5344CB8AC3E}">
-        <p14:creationId xmlns:p14="http://schemas.microsoft.com/office/powerpoint/2010/main" val="238586833"/>
+        <p14:creationId xmlns:p14="http://schemas.microsoft.com/office/powerpoint/2010/main" val="2622800216"/>
       </p:ext>
     </p:extLst>
   </p:cSld>
   <p:clrMapOvr>
     <a:masterClrMapping/>
   </p:clrMapOvr>
-  <p:timing>
-    <p:tnLst>
-      <p:par>
-        <p:cTn id="1" dur="indefinite" restart="never" nodeType="tmRoot"/>
-      </p:par>
-    </p:tnLst>
-  </p:timing>
 </p:sld>
 </file>
 
@@ -8033,196 +8096,57 @@
       </p:grpSpPr>
       <p:sp>
         <p:nvSpPr>
-          <p:cNvPr id="2" name="Title 1"/>
-          <p:cNvSpPr>
-            <a:spLocks noGrp="1"/>
-          </p:cNvSpPr>
-          <p:nvPr>
-            <p:ph type="title"/>
-          </p:nvPr>
-        </p:nvSpPr>
-        <p:spPr>
-          <a:xfrm>
-            <a:off x="2589212" y="368616"/>
-            <a:ext cx="8911687" cy="1280890"/>
-          </a:xfrm>
-        </p:spPr>
-        <p:txBody>
-          <a:bodyPr>
-            <a:normAutofit/>
-          </a:bodyPr>
-          <a:lstStyle/>
-          <a:p>
-            <a:r>
-              <a:rPr lang="en-US" sz="6000" b="1" dirty="0" smtClean="0">
-                <a:latin typeface="Times New Roman" panose="02020603050405020304" pitchFamily="18" charset="0"/>
-                <a:cs typeface="Times New Roman" panose="02020603050405020304" pitchFamily="18" charset="0"/>
-              </a:rPr>
-              <a:t>Why have to be IPv6?</a:t>
-            </a:r>
-            <a:endParaRPr lang="en-US" sz="6000" b="1" dirty="0">
-              <a:latin typeface="Times New Roman" panose="02020603050405020304" pitchFamily="18" charset="0"/>
-              <a:cs typeface="Times New Roman" panose="02020603050405020304" pitchFamily="18" charset="0"/>
-            </a:endParaRPr>
-          </a:p>
-        </p:txBody>
-      </p:sp>
-      <p:pic>
-        <p:nvPicPr>
-          <p:cNvPr id="2050" name="Picture 2" descr="HÃ¬nh áº£nh cÃ³ liÃªn quan"/>
-          <p:cNvPicPr>
-            <a:picLocks noGrp="1" noChangeAspect="1" noChangeArrowheads="1"/>
-          </p:cNvPicPr>
-          <p:nvPr>
-            <p:ph idx="1"/>
-          </p:nvPr>
-        </p:nvPicPr>
-        <p:blipFill>
-          <a:blip r:embed="rId2">
+          <p:cNvPr id="2" name="Title 1">
             <a:extLst>
-              <a:ext uri="{28A0092B-C50C-407E-A947-70E740481C1C}">
-                <a14:useLocalDpi xmlns:a14="http://schemas.microsoft.com/office/drawing/2010/main" val="0"/>
+              <a:ext uri="{FF2B5EF4-FFF2-40B4-BE49-F238E27FC236}">
+                <a16:creationId xmlns:a16="http://schemas.microsoft.com/office/drawing/2014/main" id="{EFB51C8B-1610-4E81-93A2-BB1E726C6FBA}"/>
               </a:ext>
             </a:extLst>
-          </a:blip>
-          <a:srcRect/>
-          <a:stretch>
-            <a:fillRect/>
-          </a:stretch>
-        </p:blipFill>
-        <p:spPr bwMode="auto">
-          <a:xfrm>
-            <a:off x="3537007" y="1941606"/>
-            <a:ext cx="6045200" cy="3778250"/>
-          </a:xfrm>
-          <a:prstGeom prst="rect">
-            <a:avLst/>
-          </a:prstGeom>
-          <a:noFill/>
-          <a:extLst>
-            <a:ext uri="{909E8E84-426E-40DD-AFC4-6F175D3DCCD1}">
-              <a14:hiddenFill xmlns:a14="http://schemas.microsoft.com/office/drawing/2010/main">
-                <a:solidFill>
-                  <a:srgbClr val="FFFFFF"/>
-                </a:solidFill>
-              </a14:hiddenFill>
-            </a:ext>
-          </a:extLst>
-        </p:spPr>
-      </p:pic>
-      <p:pic>
-        <p:nvPicPr>
-          <p:cNvPr id="2052" name="Picture 4" descr="Káº¿t quáº£ hÃ¬nh áº£nh cho remain ipv4 addresses"/>
-          <p:cNvPicPr>
-            <a:picLocks noChangeAspect="1" noChangeArrowheads="1"/>
-          </p:cNvPicPr>
-          <p:nvPr/>
-        </p:nvPicPr>
-        <p:blipFill>
-          <a:blip r:embed="rId3">
+          </p:cNvPr>
+          <p:cNvSpPr>
+            <a:spLocks noGrp="1"/>
+          </p:cNvSpPr>
+          <p:nvPr>
+            <p:ph type="title"/>
+          </p:nvPr>
+        </p:nvSpPr>
+        <p:spPr/>
+        <p:txBody>
+          <a:bodyPr/>
+          <a:lstStyle/>
+          <a:p>
+            <a:r>
+              <a:rPr lang="en-US"/>
+              <a:t>The Main IPv6 Header</a:t>
+            </a:r>
+            <a:br>
+              <a:rPr lang="en-US"/>
+            </a:br>
+            <a:endParaRPr lang="en-US"/>
+          </a:p>
+        </p:txBody>
+      </p:sp>
+      <p:sp>
+        <p:nvSpPr>
+          <p:cNvPr id="3" name="Content Placeholder 2">
             <a:extLst>
-              <a:ext uri="{28A0092B-C50C-407E-A947-70E740481C1C}">
-                <a14:useLocalDpi xmlns:a14="http://schemas.microsoft.com/office/drawing/2010/main" val="0"/>
+              <a:ext uri="{FF2B5EF4-FFF2-40B4-BE49-F238E27FC236}">
+                <a16:creationId xmlns:a16="http://schemas.microsoft.com/office/drawing/2014/main" id="{4812BD85-FDB2-45C0-AB7F-868B1783EE68}"/>
               </a:ext>
             </a:extLst>
-          </a:blip>
-          <a:srcRect/>
-          <a:stretch>
-            <a:fillRect/>
-          </a:stretch>
-        </p:blipFill>
-        <p:spPr bwMode="auto">
-          <a:xfrm>
-            <a:off x="1217892" y="1649506"/>
-            <a:ext cx="6096000" cy="4362451"/>
-          </a:xfrm>
-          <a:prstGeom prst="rect">
-            <a:avLst/>
-          </a:prstGeom>
-          <a:noFill/>
-          <a:extLst>
-            <a:ext uri="{909E8E84-426E-40DD-AFC4-6F175D3DCCD1}">
-              <a14:hiddenFill xmlns:a14="http://schemas.microsoft.com/office/drawing/2010/main">
-                <a:solidFill>
-                  <a:srgbClr val="FFFFFF"/>
-                </a:solidFill>
-              </a14:hiddenFill>
-            </a:ext>
-          </a:extLst>
-        </p:spPr>
-      </p:pic>
-      <p:sp>
-        <p:nvSpPr>
-          <p:cNvPr id="3" name="TextBox 2"/>
-          <p:cNvSpPr txBox="1"/>
-          <p:nvPr/>
-        </p:nvSpPr>
-        <p:spPr>
-          <a:xfrm>
-            <a:off x="8722327" y="3055638"/>
-            <a:ext cx="2998695" cy="1015663"/>
-          </a:xfrm>
-          <a:prstGeom prst="rect">
-            <a:avLst/>
-          </a:prstGeom>
-          <a:noFill/>
-        </p:spPr>
-        <p:txBody>
-          <a:bodyPr wrap="square" rtlCol="0">
-            <a:spAutoFit/>
-          </a:bodyPr>
-          <a:lstStyle/>
-          <a:p>
-            <a:r>
-              <a:rPr lang="en-US" sz="3000" dirty="0" smtClean="0">
-                <a:latin typeface="Times New Roman" panose="02020603050405020304" pitchFamily="18" charset="0"/>
-                <a:cs typeface="Times New Roman" panose="02020603050405020304" pitchFamily="18" charset="0"/>
-              </a:rPr>
-              <a:t>The Internet need room to grow</a:t>
-            </a:r>
-            <a:endParaRPr lang="en-US" sz="3000" dirty="0">
-              <a:latin typeface="Times New Roman" panose="02020603050405020304" pitchFamily="18" charset="0"/>
-              <a:cs typeface="Times New Roman" panose="02020603050405020304" pitchFamily="18" charset="0"/>
-            </a:endParaRPr>
-          </a:p>
-        </p:txBody>
-      </p:sp>
-      <p:sp>
-        <p:nvSpPr>
-          <p:cNvPr id="4" name="Right Arrow 3"/>
-          <p:cNvSpPr/>
-          <p:nvPr/>
-        </p:nvSpPr>
-        <p:spPr>
-          <a:xfrm>
-            <a:off x="7624482" y="3388659"/>
-            <a:ext cx="877722" cy="349623"/>
-          </a:xfrm>
-          <a:prstGeom prst="rightArrow">
-            <a:avLst/>
-          </a:prstGeom>
-        </p:spPr>
-        <p:style>
-          <a:lnRef idx="2">
-            <a:schemeClr val="accent1">
-              <a:shade val="50000"/>
-            </a:schemeClr>
-          </a:lnRef>
-          <a:fillRef idx="1">
-            <a:schemeClr val="accent1"/>
-          </a:fillRef>
-          <a:effectRef idx="0">
-            <a:schemeClr val="accent1"/>
-          </a:effectRef>
-          <a:fontRef idx="minor">
-            <a:schemeClr val="lt1"/>
-          </a:fontRef>
-        </p:style>
-        <p:txBody>
-          <a:bodyPr rtlCol="0" anchor="ctr"/>
-          <a:lstStyle/>
-          <a:p>
-            <a:pPr algn="ctr"/>
+          </p:cNvPr>
+          <p:cNvSpPr>
+            <a:spLocks noGrp="1"/>
+          </p:cNvSpPr>
+          <p:nvPr>
+            <p:ph idx="1"/>
+          </p:nvPr>
+        </p:nvSpPr>
+        <p:spPr/>
+        <p:txBody>
+          <a:bodyPr/>
+          <a:lstStyle/>
+          <a:p>
             <a:endParaRPr lang="en-US"/>
           </a:p>
         </p:txBody>
@@ -8230,396 +8154,13 @@
     </p:spTree>
     <p:extLst>
       <p:ext uri="{BB962C8B-B14F-4D97-AF65-F5344CB8AC3E}">
-        <p14:creationId xmlns:p14="http://schemas.microsoft.com/office/powerpoint/2010/main" val="303610598"/>
+        <p14:creationId xmlns:p14="http://schemas.microsoft.com/office/powerpoint/2010/main" val="1691047131"/>
       </p:ext>
     </p:extLst>
   </p:cSld>
   <p:clrMapOvr>
     <a:masterClrMapping/>
   </p:clrMapOvr>
-  <p:timing>
-    <p:tnLst>
-      <p:par>
-        <p:cTn id="1" dur="indefinite" restart="never" nodeType="tmRoot">
-          <p:childTnLst>
-            <p:seq concurrent="1" nextAc="seek">
-              <p:cTn id="2" dur="indefinite" nodeType="mainSeq">
-                <p:childTnLst>
-                  <p:par>
-                    <p:cTn id="3" fill="hold">
-                      <p:stCondLst>
-                        <p:cond delay="indefinite"/>
-                      </p:stCondLst>
-                      <p:childTnLst>
-                        <p:par>
-                          <p:cTn id="4" fill="hold">
-                            <p:stCondLst>
-                              <p:cond delay="0"/>
-                            </p:stCondLst>
-                            <p:childTnLst>
-                              <p:par>
-                                <p:cTn id="5" presetID="2" presetClass="entr" presetSubtype="4" fill="hold" nodeType="clickEffect">
-                                  <p:stCondLst>
-                                    <p:cond delay="0"/>
-                                  </p:stCondLst>
-                                  <p:childTnLst>
-                                    <p:set>
-                                      <p:cBhvr>
-                                        <p:cTn id="6" dur="1" fill="hold">
-                                          <p:stCondLst>
-                                            <p:cond delay="0"/>
-                                          </p:stCondLst>
-                                        </p:cTn>
-                                        <p:tgtEl>
-                                          <p:spTgt spid="2050"/>
-                                        </p:tgtEl>
-                                        <p:attrNameLst>
-                                          <p:attrName>style.visibility</p:attrName>
-                                        </p:attrNameLst>
-                                      </p:cBhvr>
-                                      <p:to>
-                                        <p:strVal val="visible"/>
-                                      </p:to>
-                                    </p:set>
-                                    <p:anim calcmode="lin" valueType="num">
-                                      <p:cBhvr additive="base">
-                                        <p:cTn id="7" dur="500" fill="hold"/>
-                                        <p:tgtEl>
-                                          <p:spTgt spid="2050"/>
-                                        </p:tgtEl>
-                                        <p:attrNameLst>
-                                          <p:attrName>ppt_x</p:attrName>
-                                        </p:attrNameLst>
-                                      </p:cBhvr>
-                                      <p:tavLst>
-                                        <p:tav tm="0">
-                                          <p:val>
-                                            <p:strVal val="#ppt_x"/>
-                                          </p:val>
-                                        </p:tav>
-                                        <p:tav tm="100000">
-                                          <p:val>
-                                            <p:strVal val="#ppt_x"/>
-                                          </p:val>
-                                        </p:tav>
-                                      </p:tavLst>
-                                    </p:anim>
-                                    <p:anim calcmode="lin" valueType="num">
-                                      <p:cBhvr additive="base">
-                                        <p:cTn id="8" dur="500" fill="hold"/>
-                                        <p:tgtEl>
-                                          <p:spTgt spid="2050"/>
-                                        </p:tgtEl>
-                                        <p:attrNameLst>
-                                          <p:attrName>ppt_y</p:attrName>
-                                        </p:attrNameLst>
-                                      </p:cBhvr>
-                                      <p:tavLst>
-                                        <p:tav tm="0">
-                                          <p:val>
-                                            <p:strVal val="1+#ppt_h/2"/>
-                                          </p:val>
-                                        </p:tav>
-                                        <p:tav tm="100000">
-                                          <p:val>
-                                            <p:strVal val="#ppt_y"/>
-                                          </p:val>
-                                        </p:tav>
-                                      </p:tavLst>
-                                    </p:anim>
-                                  </p:childTnLst>
-                                </p:cTn>
-                              </p:par>
-                            </p:childTnLst>
-                          </p:cTn>
-                        </p:par>
-                      </p:childTnLst>
-                    </p:cTn>
-                  </p:par>
-                  <p:par>
-                    <p:cTn id="9" fill="hold">
-                      <p:stCondLst>
-                        <p:cond delay="indefinite"/>
-                      </p:stCondLst>
-                      <p:childTnLst>
-                        <p:par>
-                          <p:cTn id="10" fill="hold">
-                            <p:stCondLst>
-                              <p:cond delay="0"/>
-                            </p:stCondLst>
-                            <p:childTnLst>
-                              <p:par>
-                                <p:cTn id="11" presetID="42" presetClass="exit" presetSubtype="0" fill="hold" nodeType="clickEffect">
-                                  <p:stCondLst>
-                                    <p:cond delay="0"/>
-                                  </p:stCondLst>
-                                  <p:childTnLst>
-                                    <p:animEffect transition="out" filter="fade">
-                                      <p:cBhvr>
-                                        <p:cTn id="12" dur="1000"/>
-                                        <p:tgtEl>
-                                          <p:spTgt spid="2050"/>
-                                        </p:tgtEl>
-                                      </p:cBhvr>
-                                    </p:animEffect>
-                                    <p:anim calcmode="lin" valueType="num">
-                                      <p:cBhvr>
-                                        <p:cTn id="13" dur="1000"/>
-                                        <p:tgtEl>
-                                          <p:spTgt spid="2050"/>
-                                        </p:tgtEl>
-                                        <p:attrNameLst>
-                                          <p:attrName>ppt_x</p:attrName>
-                                        </p:attrNameLst>
-                                      </p:cBhvr>
-                                      <p:tavLst>
-                                        <p:tav tm="0">
-                                          <p:val>
-                                            <p:strVal val="ppt_x"/>
-                                          </p:val>
-                                        </p:tav>
-                                        <p:tav tm="100000">
-                                          <p:val>
-                                            <p:strVal val="ppt_x"/>
-                                          </p:val>
-                                        </p:tav>
-                                      </p:tavLst>
-                                    </p:anim>
-                                    <p:anim calcmode="lin" valueType="num">
-                                      <p:cBhvr>
-                                        <p:cTn id="14" dur="1000"/>
-                                        <p:tgtEl>
-                                          <p:spTgt spid="2050"/>
-                                        </p:tgtEl>
-                                        <p:attrNameLst>
-                                          <p:attrName>ppt_y</p:attrName>
-                                        </p:attrNameLst>
-                                      </p:cBhvr>
-                                      <p:tavLst>
-                                        <p:tav tm="0">
-                                          <p:val>
-                                            <p:strVal val="ppt_y"/>
-                                          </p:val>
-                                        </p:tav>
-                                        <p:tav tm="100000">
-                                          <p:val>
-                                            <p:strVal val="ppt_y+.1"/>
-                                          </p:val>
-                                        </p:tav>
-                                      </p:tavLst>
-                                    </p:anim>
-                                    <p:set>
-                                      <p:cBhvr>
-                                        <p:cTn id="15" dur="1" fill="hold">
-                                          <p:stCondLst>
-                                            <p:cond delay="999"/>
-                                          </p:stCondLst>
-                                        </p:cTn>
-                                        <p:tgtEl>
-                                          <p:spTgt spid="2050"/>
-                                        </p:tgtEl>
-                                        <p:attrNameLst>
-                                          <p:attrName>style.visibility</p:attrName>
-                                        </p:attrNameLst>
-                                      </p:cBhvr>
-                                      <p:to>
-                                        <p:strVal val="hidden"/>
-                                      </p:to>
-                                    </p:set>
-                                  </p:childTnLst>
-                                </p:cTn>
-                              </p:par>
-                            </p:childTnLst>
-                          </p:cTn>
-                        </p:par>
-                      </p:childTnLst>
-                    </p:cTn>
-                  </p:par>
-                  <p:par>
-                    <p:cTn id="16" fill="hold">
-                      <p:stCondLst>
-                        <p:cond delay="indefinite"/>
-                      </p:stCondLst>
-                      <p:childTnLst>
-                        <p:par>
-                          <p:cTn id="17" fill="hold">
-                            <p:stCondLst>
-                              <p:cond delay="0"/>
-                            </p:stCondLst>
-                            <p:childTnLst>
-                              <p:par>
-                                <p:cTn id="18" presetID="16" presetClass="entr" presetSubtype="21" fill="hold" nodeType="clickEffect">
-                                  <p:stCondLst>
-                                    <p:cond delay="0"/>
-                                  </p:stCondLst>
-                                  <p:childTnLst>
-                                    <p:set>
-                                      <p:cBhvr>
-                                        <p:cTn id="19" dur="1" fill="hold">
-                                          <p:stCondLst>
-                                            <p:cond delay="0"/>
-                                          </p:stCondLst>
-                                        </p:cTn>
-                                        <p:tgtEl>
-                                          <p:spTgt spid="2052"/>
-                                        </p:tgtEl>
-                                        <p:attrNameLst>
-                                          <p:attrName>style.visibility</p:attrName>
-                                        </p:attrNameLst>
-                                      </p:cBhvr>
-                                      <p:to>
-                                        <p:strVal val="visible"/>
-                                      </p:to>
-                                    </p:set>
-                                    <p:animEffect transition="in" filter="barn(inVertical)">
-                                      <p:cBhvr>
-                                        <p:cTn id="20" dur="500"/>
-                                        <p:tgtEl>
-                                          <p:spTgt spid="2052"/>
-                                        </p:tgtEl>
-                                      </p:cBhvr>
-                                    </p:animEffect>
-                                  </p:childTnLst>
-                                </p:cTn>
-                              </p:par>
-                            </p:childTnLst>
-                          </p:cTn>
-                        </p:par>
-                      </p:childTnLst>
-                    </p:cTn>
-                  </p:par>
-                  <p:par>
-                    <p:cTn id="21" fill="hold">
-                      <p:stCondLst>
-                        <p:cond delay="indefinite"/>
-                      </p:stCondLst>
-                      <p:childTnLst>
-                        <p:par>
-                          <p:cTn id="22" fill="hold">
-                            <p:stCondLst>
-                              <p:cond delay="0"/>
-                            </p:stCondLst>
-                            <p:childTnLst>
-                              <p:par>
-                                <p:cTn id="23" presetID="10" presetClass="entr" presetSubtype="0" fill="hold" grpId="0" nodeType="clickEffect">
-                                  <p:stCondLst>
-                                    <p:cond delay="0"/>
-                                  </p:stCondLst>
-                                  <p:childTnLst>
-                                    <p:set>
-                                      <p:cBhvr>
-                                        <p:cTn id="24" dur="1" fill="hold">
-                                          <p:stCondLst>
-                                            <p:cond delay="0"/>
-                                          </p:stCondLst>
-                                        </p:cTn>
-                                        <p:tgtEl>
-                                          <p:spTgt spid="4"/>
-                                        </p:tgtEl>
-                                        <p:attrNameLst>
-                                          <p:attrName>style.visibility</p:attrName>
-                                        </p:attrNameLst>
-                                      </p:cBhvr>
-                                      <p:to>
-                                        <p:strVal val="visible"/>
-                                      </p:to>
-                                    </p:set>
-                                    <p:animEffect transition="in" filter="fade">
-                                      <p:cBhvr>
-                                        <p:cTn id="25" dur="500"/>
-                                        <p:tgtEl>
-                                          <p:spTgt spid="4"/>
-                                        </p:tgtEl>
-                                      </p:cBhvr>
-                                    </p:animEffect>
-                                  </p:childTnLst>
-                                </p:cTn>
-                              </p:par>
-                            </p:childTnLst>
-                          </p:cTn>
-                        </p:par>
-                      </p:childTnLst>
-                    </p:cTn>
-                  </p:par>
-                  <p:par>
-                    <p:cTn id="26" fill="hold">
-                      <p:stCondLst>
-                        <p:cond delay="indefinite"/>
-                      </p:stCondLst>
-                      <p:childTnLst>
-                        <p:par>
-                          <p:cTn id="27" fill="hold">
-                            <p:stCondLst>
-                              <p:cond delay="0"/>
-                            </p:stCondLst>
-                            <p:childTnLst>
-                              <p:par>
-                                <p:cTn id="28" presetID="10" presetClass="entr" presetSubtype="0" fill="hold" grpId="0" nodeType="clickEffect">
-                                  <p:stCondLst>
-                                    <p:cond delay="0"/>
-                                  </p:stCondLst>
-                                  <p:childTnLst>
-                                    <p:set>
-                                      <p:cBhvr>
-                                        <p:cTn id="29" dur="1" fill="hold">
-                                          <p:stCondLst>
-                                            <p:cond delay="0"/>
-                                          </p:stCondLst>
-                                        </p:cTn>
-                                        <p:tgtEl>
-                                          <p:spTgt spid="3"/>
-                                        </p:tgtEl>
-                                        <p:attrNameLst>
-                                          <p:attrName>style.visibility</p:attrName>
-                                        </p:attrNameLst>
-                                      </p:cBhvr>
-                                      <p:to>
-                                        <p:strVal val="visible"/>
-                                      </p:to>
-                                    </p:set>
-                                    <p:animEffect transition="in" filter="fade">
-                                      <p:cBhvr>
-                                        <p:cTn id="30" dur="500"/>
-                                        <p:tgtEl>
-                                          <p:spTgt spid="3"/>
-                                        </p:tgtEl>
-                                      </p:cBhvr>
-                                    </p:animEffect>
-                                  </p:childTnLst>
-                                </p:cTn>
-                              </p:par>
-                            </p:childTnLst>
-                          </p:cTn>
-                        </p:par>
-                      </p:childTnLst>
-                    </p:cTn>
-                  </p:par>
-                </p:childTnLst>
-              </p:cTn>
-              <p:prevCondLst>
-                <p:cond evt="onPrev" delay="0">
-                  <p:tgtEl>
-                    <p:sldTgt/>
-                  </p:tgtEl>
-                </p:cond>
-              </p:prevCondLst>
-              <p:nextCondLst>
-                <p:cond evt="onNext" delay="0">
-                  <p:tgtEl>
-                    <p:sldTgt/>
-                  </p:tgtEl>
-                </p:cond>
-              </p:nextCondLst>
-            </p:seq>
-          </p:childTnLst>
-        </p:cTn>
-      </p:par>
-    </p:tnLst>
-    <p:bldLst>
-      <p:bldP spid="3" grpId="0"/>
-      <p:bldP spid="4" grpId="0" animBg="1"/>
-    </p:bldLst>
-  </p:timing>
 </p:sld>
 </file>
 
@@ -8642,278 +8183,71 @@
       </p:grpSpPr>
       <p:sp>
         <p:nvSpPr>
-          <p:cNvPr id="2" name="Title 1"/>
-          <p:cNvSpPr>
-            <a:spLocks noGrp="1"/>
-          </p:cNvSpPr>
-          <p:nvPr>
-            <p:ph type="title"/>
-          </p:nvPr>
-        </p:nvSpPr>
-        <p:spPr>
-          <a:xfrm>
-            <a:off x="2592925" y="462745"/>
-            <a:ext cx="8911687" cy="1280890"/>
-          </a:xfrm>
-        </p:spPr>
-        <p:txBody>
-          <a:bodyPr>
-            <a:normAutofit fontScale="90000"/>
-          </a:bodyPr>
-          <a:lstStyle/>
-          <a:p>
-            <a:r>
-              <a:rPr lang="en-US" sz="6000" b="1" dirty="0" smtClean="0">
-                <a:latin typeface="Times New Roman" panose="02020603050405020304" pitchFamily="18" charset="0"/>
-                <a:cs typeface="Times New Roman" panose="02020603050405020304" pitchFamily="18" charset="0"/>
-              </a:rPr>
-              <a:t>Benefits and improvements</a:t>
-            </a:r>
-            <a:endParaRPr lang="en-US" sz="6000" b="1" dirty="0">
-              <a:latin typeface="Times New Roman" panose="02020603050405020304" pitchFamily="18" charset="0"/>
-              <a:cs typeface="Times New Roman" panose="02020603050405020304" pitchFamily="18" charset="0"/>
-            </a:endParaRPr>
-          </a:p>
-        </p:txBody>
-      </p:sp>
-      <p:sp>
-        <p:nvSpPr>
-          <p:cNvPr id="3" name="Content Placeholder 2"/>
-          <p:cNvSpPr>
-            <a:spLocks noGrp="1"/>
-          </p:cNvSpPr>
-          <p:nvPr>
-            <p:ph idx="1"/>
-          </p:nvPr>
-        </p:nvSpPr>
-        <p:spPr>
-          <a:xfrm>
-            <a:off x="1475007" y="1656434"/>
-            <a:ext cx="8915400" cy="4896766"/>
-          </a:xfrm>
-        </p:spPr>
-        <p:txBody>
-          <a:bodyPr>
-            <a:normAutofit lnSpcReduction="10000"/>
-          </a:bodyPr>
-          <a:lstStyle/>
-          <a:p>
-            <a:r>
-              <a:rPr lang="en-US" sz="3000" dirty="0" smtClean="0">
-                <a:latin typeface="Times New Roman" panose="02020603050405020304" pitchFamily="18" charset="0"/>
-                <a:cs typeface="Times New Roman" panose="02020603050405020304" pitchFamily="18" charset="0"/>
-              </a:rPr>
-              <a:t>Does not use Broadcast </a:t>
-            </a:r>
-            <a:r>
-              <a:rPr lang="en-US" sz="3000" dirty="0" smtClean="0">
-                <a:latin typeface="Times New Roman" panose="02020603050405020304" pitchFamily="18" charset="0"/>
-                <a:cs typeface="Times New Roman" panose="02020603050405020304" pitchFamily="18" charset="0"/>
-              </a:rPr>
-              <a:t>messages</a:t>
-            </a:r>
-          </a:p>
-          <a:p>
-            <a:pPr marL="0" indent="0">
-              <a:buNone/>
-            </a:pPr>
-            <a:r>
-              <a:rPr lang="en-US" sz="3000" dirty="0">
-                <a:latin typeface="Times New Roman" panose="02020603050405020304" pitchFamily="18" charset="0"/>
-                <a:cs typeface="Times New Roman" panose="02020603050405020304" pitchFamily="18" charset="0"/>
-              </a:rPr>
-              <a:t>	</a:t>
-            </a:r>
-            <a:r>
-              <a:rPr lang="en-US" sz="2600" i="1" dirty="0" smtClean="0">
-                <a:latin typeface="Times New Roman" panose="02020603050405020304" pitchFamily="18" charset="0"/>
-                <a:cs typeface="Times New Roman" panose="02020603050405020304" pitchFamily="18" charset="0"/>
-              </a:rPr>
-              <a:t>Unicast 		</a:t>
-            </a:r>
-            <a:r>
-              <a:rPr lang="en-US" sz="2600" i="1" dirty="0" smtClean="0">
-                <a:latin typeface="Times New Roman" panose="02020603050405020304" pitchFamily="18" charset="0"/>
-                <a:cs typeface="Times New Roman" panose="02020603050405020304" pitchFamily="18" charset="0"/>
-              </a:rPr>
-              <a:t>Multicast 		</a:t>
-            </a:r>
-            <a:r>
-              <a:rPr lang="en-US" sz="2600" i="1" dirty="0" err="1" smtClean="0">
-                <a:latin typeface="Times New Roman" panose="02020603050405020304" pitchFamily="18" charset="0"/>
-                <a:cs typeface="Times New Roman" panose="02020603050405020304" pitchFamily="18" charset="0"/>
-              </a:rPr>
-              <a:t>Anycast</a:t>
-            </a:r>
-            <a:endParaRPr lang="en-US" sz="2600" i="1" dirty="0" smtClean="0">
-              <a:latin typeface="Times New Roman" panose="02020603050405020304" pitchFamily="18" charset="0"/>
-              <a:cs typeface="Times New Roman" panose="02020603050405020304" pitchFamily="18" charset="0"/>
-            </a:endParaRPr>
-          </a:p>
-          <a:p>
-            <a:r>
-              <a:rPr lang="en-US" sz="3000" dirty="0" smtClean="0">
-                <a:latin typeface="Times New Roman" panose="02020603050405020304" pitchFamily="18" charset="0"/>
-                <a:cs typeface="Times New Roman" panose="02020603050405020304" pitchFamily="18" charset="0"/>
-              </a:rPr>
-              <a:t>Simple and 	efficient </a:t>
-            </a:r>
-            <a:r>
-              <a:rPr lang="en-US" sz="3000" dirty="0" err="1" smtClean="0">
-                <a:latin typeface="Times New Roman" panose="02020603050405020304" pitchFamily="18" charset="0"/>
-                <a:cs typeface="Times New Roman" panose="02020603050405020304" pitchFamily="18" charset="0"/>
-              </a:rPr>
-              <a:t>addressingstructure</a:t>
-            </a:r>
-            <a:endParaRPr lang="en-US" sz="3000" dirty="0" smtClean="0">
-              <a:latin typeface="Times New Roman" panose="02020603050405020304" pitchFamily="18" charset="0"/>
-              <a:cs typeface="Times New Roman" panose="02020603050405020304" pitchFamily="18" charset="0"/>
-            </a:endParaRPr>
-          </a:p>
-          <a:p>
-            <a:endParaRPr lang="en-US" sz="3000" dirty="0" smtClean="0">
-              <a:latin typeface="Times New Roman" panose="02020603050405020304" pitchFamily="18" charset="0"/>
-              <a:cs typeface="Times New Roman" panose="02020603050405020304" pitchFamily="18" charset="0"/>
-            </a:endParaRPr>
-          </a:p>
-          <a:p>
-            <a:endParaRPr lang="en-US" sz="3000" dirty="0" smtClean="0">
-              <a:latin typeface="Times New Roman" panose="02020603050405020304" pitchFamily="18" charset="0"/>
-              <a:cs typeface="Times New Roman" panose="02020603050405020304" pitchFamily="18" charset="0"/>
-            </a:endParaRPr>
-          </a:p>
-          <a:p>
-            <a:endParaRPr lang="en-US" sz="3000" dirty="0">
-              <a:latin typeface="Times New Roman" panose="02020603050405020304" pitchFamily="18" charset="0"/>
-              <a:cs typeface="Times New Roman" panose="02020603050405020304" pitchFamily="18" charset="0"/>
-            </a:endParaRPr>
-          </a:p>
-          <a:p>
-            <a:endParaRPr lang="en-US" sz="3000" dirty="0" smtClean="0">
-              <a:latin typeface="Times New Roman" panose="02020603050405020304" pitchFamily="18" charset="0"/>
-              <a:cs typeface="Times New Roman" panose="02020603050405020304" pitchFamily="18" charset="0"/>
-            </a:endParaRPr>
-          </a:p>
-          <a:p>
-            <a:r>
-              <a:rPr lang="en-US" sz="3000" dirty="0" smtClean="0">
-                <a:latin typeface="Times New Roman" panose="02020603050405020304" pitchFamily="18" charset="0"/>
-                <a:cs typeface="Times New Roman" panose="02020603050405020304" pitchFamily="18" charset="0"/>
-              </a:rPr>
-              <a:t>Integrated security and better support for Quality of Service</a:t>
-            </a:r>
-            <a:endParaRPr lang="en-US" sz="3000" dirty="0" smtClean="0">
-              <a:latin typeface="Times New Roman" panose="02020603050405020304" pitchFamily="18" charset="0"/>
-              <a:cs typeface="Times New Roman" panose="02020603050405020304" pitchFamily="18" charset="0"/>
-            </a:endParaRPr>
-          </a:p>
-          <a:p>
-            <a:endParaRPr lang="en-US" sz="3000" dirty="0">
-              <a:latin typeface="Times New Roman" panose="02020603050405020304" pitchFamily="18" charset="0"/>
-              <a:cs typeface="Times New Roman" panose="02020603050405020304" pitchFamily="18" charset="0"/>
-            </a:endParaRPr>
-          </a:p>
-        </p:txBody>
-      </p:sp>
-      <p:pic>
-        <p:nvPicPr>
-          <p:cNvPr id="1026" name="Picture 2" descr="HÃ¬nh áº£nh cÃ³ liÃªn quan"/>
-          <p:cNvPicPr>
-            <a:picLocks noChangeAspect="1" noChangeArrowheads="1"/>
-          </p:cNvPicPr>
-          <p:nvPr/>
-        </p:nvPicPr>
-        <p:blipFill>
-          <a:blip r:embed="rId2">
+          <p:cNvPr id="2" name="Title 1">
             <a:extLst>
-              <a:ext uri="{28A0092B-C50C-407E-A947-70E740481C1C}">
-                <a14:useLocalDpi xmlns:a14="http://schemas.microsoft.com/office/drawing/2010/main" val="0"/>
+              <a:ext uri="{FF2B5EF4-FFF2-40B4-BE49-F238E27FC236}">
+                <a16:creationId xmlns:a16="http://schemas.microsoft.com/office/drawing/2014/main" id="{6AD80BF0-D085-43AB-BDF4-41441A07B2CC}"/>
               </a:ext>
             </a:extLst>
-          </a:blip>
-          <a:srcRect/>
-          <a:stretch>
-            <a:fillRect/>
-          </a:stretch>
-        </p:blipFill>
-        <p:spPr bwMode="auto">
-          <a:xfrm>
-            <a:off x="7240206" y="1656434"/>
-            <a:ext cx="1591586" cy="1193689"/>
-          </a:xfrm>
-          <a:prstGeom prst="rect">
-            <a:avLst/>
-          </a:prstGeom>
-          <a:noFill/>
-          <a:extLst>
-            <a:ext uri="{909E8E84-426E-40DD-AFC4-6F175D3DCCD1}">
-              <a14:hiddenFill xmlns:a14="http://schemas.microsoft.com/office/drawing/2010/main">
-                <a:solidFill>
-                  <a:srgbClr val="FFFFFF"/>
-                </a:solidFill>
-              </a14:hiddenFill>
-            </a:ext>
-          </a:extLst>
-        </p:spPr>
-      </p:pic>
-      <p:pic>
-        <p:nvPicPr>
-          <p:cNvPr id="1028" name="Picture 4" descr="HÃ¬nh áº£nh cÃ³ liÃªn quan"/>
-          <p:cNvPicPr>
-            <a:picLocks noChangeAspect="1" noChangeArrowheads="1"/>
-          </p:cNvPicPr>
-          <p:nvPr/>
-        </p:nvPicPr>
-        <p:blipFill>
-          <a:blip r:embed="rId3">
+          </p:cNvPr>
+          <p:cNvSpPr>
+            <a:spLocks noGrp="1"/>
+          </p:cNvSpPr>
+          <p:nvPr>
+            <p:ph type="title"/>
+          </p:nvPr>
+        </p:nvSpPr>
+        <p:spPr/>
+        <p:txBody>
+          <a:bodyPr/>
+          <a:lstStyle/>
+          <a:p>
+            <a:r>
+              <a:rPr lang="en-US"/>
+              <a:t>Extension Headers</a:t>
+            </a:r>
+            <a:br>
+              <a:rPr lang="en-US"/>
+            </a:br>
+            <a:endParaRPr lang="en-US"/>
+          </a:p>
+        </p:txBody>
+      </p:sp>
+      <p:sp>
+        <p:nvSpPr>
+          <p:cNvPr id="3" name="Content Placeholder 2">
             <a:extLst>
-              <a:ext uri="{28A0092B-C50C-407E-A947-70E740481C1C}">
-                <a14:useLocalDpi xmlns:a14="http://schemas.microsoft.com/office/drawing/2010/main" val="0"/>
+              <a:ext uri="{FF2B5EF4-FFF2-40B4-BE49-F238E27FC236}">
+                <a16:creationId xmlns:a16="http://schemas.microsoft.com/office/drawing/2014/main" id="{3FADCF4B-3D3D-4A1D-9200-82F2035C3549}"/>
               </a:ext>
             </a:extLst>
-          </a:blip>
-          <a:srcRect/>
-          <a:stretch>
-            <a:fillRect/>
-          </a:stretch>
-        </p:blipFill>
-        <p:spPr bwMode="auto">
-          <a:xfrm>
-            <a:off x="2964711" y="3214091"/>
-            <a:ext cx="4275495" cy="2063510"/>
-          </a:xfrm>
-          <a:prstGeom prst="rect">
-            <a:avLst/>
-          </a:prstGeom>
-          <a:noFill/>
-          <a:extLst>
-            <a:ext uri="{909E8E84-426E-40DD-AFC4-6F175D3DCCD1}">
-              <a14:hiddenFill xmlns:a14="http://schemas.microsoft.com/office/drawing/2010/main">
-                <a:solidFill>
-                  <a:srgbClr val="FFFFFF"/>
-                </a:solidFill>
-              </a14:hiddenFill>
-            </a:ext>
-          </a:extLst>
-        </p:spPr>
-      </p:pic>
+          </p:cNvPr>
+          <p:cNvSpPr>
+            <a:spLocks noGrp="1"/>
+          </p:cNvSpPr>
+          <p:nvPr>
+            <p:ph idx="1"/>
+          </p:nvPr>
+        </p:nvSpPr>
+        <p:spPr/>
+        <p:txBody>
+          <a:bodyPr/>
+          <a:lstStyle/>
+          <a:p>
+            <a:endParaRPr lang="en-US"/>
+          </a:p>
+        </p:txBody>
+      </p:sp>
     </p:spTree>
     <p:extLst>
       <p:ext uri="{BB962C8B-B14F-4D97-AF65-F5344CB8AC3E}">
-        <p14:creationId xmlns:p14="http://schemas.microsoft.com/office/powerpoint/2010/main" val="1103683995"/>
+        <p14:creationId xmlns:p14="http://schemas.microsoft.com/office/powerpoint/2010/main" val="2545918128"/>
       </p:ext>
     </p:extLst>
   </p:cSld>
   <p:clrMapOvr>
     <a:masterClrMapping/>
   </p:clrMapOvr>
-  <p:timing>
-    <p:tnLst>
-      <p:par>
-        <p:cTn id="1" dur="indefinite" restart="never" nodeType="tmRoot"/>
-      </p:par>
-    </p:tnLst>
-  </p:timing>
 </p:sld>
 </file>
 
@@ -8936,7 +8270,13 @@
       </p:grpSpPr>
       <p:sp>
         <p:nvSpPr>
-          <p:cNvPr id="2" name="Title 1"/>
+          <p:cNvPr id="2" name="Title 1">
+            <a:extLst>
+              <a:ext uri="{FF2B5EF4-FFF2-40B4-BE49-F238E27FC236}">
+                <a16:creationId xmlns:a16="http://schemas.microsoft.com/office/drawing/2014/main" id="{7EC25057-F620-41FE-BCCF-AB4A5B7E9122}"/>
+              </a:ext>
+            </a:extLst>
+          </p:cNvPr>
           <p:cNvSpPr>
             <a:spLocks noGrp="1"/>
           </p:cNvSpPr>
@@ -8944,35 +8284,31 @@
             <p:ph type="title"/>
           </p:nvPr>
         </p:nvSpPr>
-        <p:spPr>
-          <a:xfrm>
-            <a:off x="2592925" y="476192"/>
-            <a:ext cx="8911687" cy="1280890"/>
-          </a:xfrm>
-        </p:spPr>
-        <p:txBody>
-          <a:bodyPr>
-            <a:normAutofit/>
-          </a:bodyPr>
-          <a:lstStyle/>
-          <a:p>
-            <a:r>
-              <a:rPr lang="en-US" sz="6000" b="1" dirty="0" smtClean="0">
-                <a:latin typeface="Times New Roman" panose="02020603050405020304" pitchFamily="18" charset="0"/>
-                <a:cs typeface="Times New Roman" panose="02020603050405020304" pitchFamily="18" charset="0"/>
-              </a:rPr>
-              <a:t>Address Abbreviation</a:t>
-            </a:r>
-            <a:endParaRPr lang="en-US" sz="6000" b="1" dirty="0">
-              <a:latin typeface="Times New Roman" panose="02020603050405020304" pitchFamily="18" charset="0"/>
-              <a:cs typeface="Times New Roman" panose="02020603050405020304" pitchFamily="18" charset="0"/>
-            </a:endParaRPr>
-          </a:p>
-        </p:txBody>
-      </p:sp>
-      <p:sp>
-        <p:nvSpPr>
-          <p:cNvPr id="3" name="Content Placeholder 2"/>
+        <p:spPr/>
+        <p:txBody>
+          <a:bodyPr/>
+          <a:lstStyle/>
+          <a:p>
+            <a:r>
+              <a:rPr lang="en-US"/>
+              <a:t>Controversies</a:t>
+            </a:r>
+            <a:br>
+              <a:rPr lang="en-US"/>
+            </a:br>
+            <a:endParaRPr lang="en-US"/>
+          </a:p>
+        </p:txBody>
+      </p:sp>
+      <p:sp>
+        <p:nvSpPr>
+          <p:cNvPr id="3" name="Content Placeholder 2">
+            <a:extLst>
+              <a:ext uri="{FF2B5EF4-FFF2-40B4-BE49-F238E27FC236}">
+                <a16:creationId xmlns:a16="http://schemas.microsoft.com/office/drawing/2014/main" id="{59EF850F-0EF9-4A14-89BD-80087C537733}"/>
+              </a:ext>
+            </a:extLst>
+          </p:cNvPr>
           <p:cNvSpPr>
             <a:spLocks noGrp="1"/>
           </p:cNvSpPr>
@@ -8980,175 +8316,25 @@
             <p:ph idx="1"/>
           </p:nvPr>
         </p:nvSpPr>
-        <p:spPr>
-          <a:xfrm>
-            <a:off x="2549773" y="1607128"/>
-            <a:ext cx="8915400" cy="3034145"/>
-          </a:xfrm>
-        </p:spPr>
-        <p:txBody>
-          <a:bodyPr>
-            <a:normAutofit/>
-          </a:bodyPr>
-          <a:lstStyle/>
-          <a:p>
-            <a:pPr marL="0" indent="0">
-              <a:buNone/>
-            </a:pPr>
-            <a:r>
-              <a:rPr lang="en-US" sz="3000" dirty="0" smtClean="0">
-                <a:latin typeface="Times New Roman" panose="02020603050405020304" pitchFamily="18" charset="0"/>
-                <a:cs typeface="Times New Roman" panose="02020603050405020304" pitchFamily="18" charset="0"/>
-              </a:rPr>
-              <a:t>Rules :</a:t>
-            </a:r>
-          </a:p>
-          <a:p>
-            <a:r>
-              <a:rPr lang="en-US" sz="3000" dirty="0" smtClean="0">
-                <a:latin typeface="Times New Roman" panose="02020603050405020304" pitchFamily="18" charset="0"/>
-                <a:cs typeface="Times New Roman" panose="02020603050405020304" pitchFamily="18" charset="0"/>
-              </a:rPr>
-              <a:t>Drop leading </a:t>
-            </a:r>
-            <a:r>
-              <a:rPr lang="en-US" sz="3000" dirty="0" err="1" smtClean="0">
-                <a:latin typeface="Times New Roman" panose="02020603050405020304" pitchFamily="18" charset="0"/>
-                <a:cs typeface="Times New Roman" panose="02020603050405020304" pitchFamily="18" charset="0"/>
-              </a:rPr>
-              <a:t>zeros</a:t>
-            </a:r>
-            <a:endParaRPr lang="en-US" sz="3000" dirty="0" smtClean="0">
-              <a:latin typeface="Times New Roman" panose="02020603050405020304" pitchFamily="18" charset="0"/>
-              <a:cs typeface="Times New Roman" panose="02020603050405020304" pitchFamily="18" charset="0"/>
-            </a:endParaRPr>
-          </a:p>
-          <a:p>
-            <a:r>
-              <a:rPr lang="en-US" sz="3000" dirty="0" smtClean="0">
-                <a:latin typeface="Times New Roman" panose="02020603050405020304" pitchFamily="18" charset="0"/>
-                <a:cs typeface="Times New Roman" panose="02020603050405020304" pitchFamily="18" charset="0"/>
-              </a:rPr>
-              <a:t>A group of 4 </a:t>
-            </a:r>
-            <a:r>
-              <a:rPr lang="en-US" sz="3000" dirty="0" err="1" smtClean="0">
-                <a:latin typeface="Times New Roman" panose="02020603050405020304" pitchFamily="18" charset="0"/>
-                <a:cs typeface="Times New Roman" panose="02020603050405020304" pitchFamily="18" charset="0"/>
-              </a:rPr>
-              <a:t>zeros</a:t>
-            </a:r>
-            <a:r>
-              <a:rPr lang="en-US" sz="3000" dirty="0" smtClean="0">
-                <a:latin typeface="Times New Roman" panose="02020603050405020304" pitchFamily="18" charset="0"/>
-                <a:cs typeface="Times New Roman" panose="02020603050405020304" pitchFamily="18" charset="0"/>
-              </a:rPr>
-              <a:t> can be replaced with a 	single zero</a:t>
-            </a:r>
-          </a:p>
-          <a:p>
-            <a:r>
-              <a:rPr lang="en-US" sz="3000" dirty="0" smtClean="0">
-                <a:latin typeface="Times New Roman" panose="02020603050405020304" pitchFamily="18" charset="0"/>
-                <a:cs typeface="Times New Roman" panose="02020603050405020304" pitchFamily="18" charset="0"/>
-              </a:rPr>
-              <a:t>Contiguous groups of </a:t>
-            </a:r>
-            <a:r>
-              <a:rPr lang="en-US" sz="3000" dirty="0" err="1" smtClean="0">
-                <a:latin typeface="Times New Roman" panose="02020603050405020304" pitchFamily="18" charset="0"/>
-                <a:cs typeface="Times New Roman" panose="02020603050405020304" pitchFamily="18" charset="0"/>
-              </a:rPr>
-              <a:t>zeros</a:t>
-            </a:r>
-            <a:r>
-              <a:rPr lang="en-US" sz="3000" dirty="0" smtClean="0">
-                <a:latin typeface="Times New Roman" panose="02020603050405020304" pitchFamily="18" charset="0"/>
-                <a:cs typeface="Times New Roman" panose="02020603050405020304" pitchFamily="18" charset="0"/>
-              </a:rPr>
-              <a:t> can be replaced with a </a:t>
-            </a:r>
-          </a:p>
-          <a:p>
-            <a:pPr marL="0" indent="0">
-              <a:buNone/>
-            </a:pPr>
-            <a:r>
-              <a:rPr lang="en-US" sz="3000" dirty="0" smtClean="0">
-                <a:latin typeface="Times New Roman" panose="02020603050405020304" pitchFamily="18" charset="0"/>
-                <a:cs typeface="Times New Roman" panose="02020603050405020304" pitchFamily="18" charset="0"/>
-              </a:rPr>
-              <a:t>:: but that can only done once in an address </a:t>
-            </a:r>
-          </a:p>
-        </p:txBody>
-      </p:sp>
-      <p:sp>
-        <p:nvSpPr>
-          <p:cNvPr id="4" name="TextBox 3"/>
-          <p:cNvSpPr txBox="1"/>
-          <p:nvPr/>
-        </p:nvSpPr>
-        <p:spPr>
-          <a:xfrm>
-            <a:off x="2538043" y="4793673"/>
-            <a:ext cx="8684675" cy="1015663"/>
-          </a:xfrm>
-          <a:prstGeom prst="rect">
-            <a:avLst/>
-          </a:prstGeom>
-          <a:noFill/>
-        </p:spPr>
-        <p:txBody>
-          <a:bodyPr wrap="square" rtlCol="0">
-            <a:spAutoFit/>
-          </a:bodyPr>
-          <a:lstStyle/>
-          <a:p>
-            <a:r>
-              <a:rPr lang="en-US" sz="3000" dirty="0" smtClean="0">
-                <a:latin typeface="Times New Roman" panose="02020603050405020304" pitchFamily="18" charset="0"/>
-                <a:cs typeface="Times New Roman" panose="02020603050405020304" pitchFamily="18" charset="0"/>
-              </a:rPr>
-              <a:t>Loopback:</a:t>
-            </a:r>
-          </a:p>
-          <a:p>
-            <a:pPr marL="457200" indent="-457200">
-              <a:buFont typeface="Arial" panose="020B0604020202020204" pitchFamily="34" charset="0"/>
-              <a:buChar char="•"/>
-            </a:pPr>
-            <a:r>
-              <a:rPr lang="en-US" sz="3000" dirty="0" smtClean="0">
-                <a:latin typeface="Times New Roman" panose="02020603050405020304" pitchFamily="18" charset="0"/>
-                <a:cs typeface="Times New Roman" panose="02020603050405020304" pitchFamily="18" charset="0"/>
-              </a:rPr>
-              <a:t>IPv6 loopback is ::1</a:t>
-            </a:r>
-            <a:endParaRPr lang="en-US" sz="3000" dirty="0">
-              <a:latin typeface="Times New Roman" panose="02020603050405020304" pitchFamily="18" charset="0"/>
-              <a:cs typeface="Times New Roman" panose="02020603050405020304" pitchFamily="18" charset="0"/>
-            </a:endParaRPr>
+        <p:spPr/>
+        <p:txBody>
+          <a:bodyPr/>
+          <a:lstStyle/>
+          <a:p>
+            <a:endParaRPr lang="en-US"/>
           </a:p>
         </p:txBody>
       </p:sp>
     </p:spTree>
     <p:extLst>
       <p:ext uri="{BB962C8B-B14F-4D97-AF65-F5344CB8AC3E}">
-        <p14:creationId xmlns:p14="http://schemas.microsoft.com/office/powerpoint/2010/main" val="2674851011"/>
+        <p14:creationId xmlns:p14="http://schemas.microsoft.com/office/powerpoint/2010/main" val="536470278"/>
       </p:ext>
     </p:extLst>
   </p:cSld>
   <p:clrMapOvr>
     <a:masterClrMapping/>
   </p:clrMapOvr>
-  <p:timing>
-    <p:tnLst>
-      <p:par>
-        <p:cTn id="1" dur="indefinite" restart="never" nodeType="tmRoot"/>
-      </p:par>
-    </p:tnLst>
-  </p:timing>
 </p:sld>
 </file>
 
@@ -9171,7 +8357,13 @@
       </p:grpSpPr>
       <p:sp>
         <p:nvSpPr>
-          <p:cNvPr id="2" name="Title 1"/>
+          <p:cNvPr id="2" name="Title 1">
+            <a:extLst>
+              <a:ext uri="{FF2B5EF4-FFF2-40B4-BE49-F238E27FC236}">
+                <a16:creationId xmlns:a16="http://schemas.microsoft.com/office/drawing/2014/main" id="{F21BE663-BC52-46F7-AF0E-3B53BBAD539E}"/>
+              </a:ext>
+            </a:extLst>
+          </p:cNvPr>
           <p:cNvSpPr>
             <a:spLocks noGrp="1"/>
           </p:cNvSpPr>
@@ -9179,36 +8371,27 @@
             <p:ph type="title"/>
           </p:nvPr>
         </p:nvSpPr>
-        <p:spPr>
-          <a:xfrm>
-            <a:off x="1384596" y="0"/>
-            <a:ext cx="10466379" cy="1477705"/>
-          </a:xfrm>
-        </p:spPr>
-        <p:txBody>
-          <a:bodyPr>
-            <a:noAutofit/>
-          </a:bodyPr>
-          <a:lstStyle/>
-          <a:p>
-            <a:pPr algn="ctr"/>
-            <a:r>
-              <a:rPr lang="en-US" sz="5400" dirty="0" smtClean="0">
-                <a:latin typeface="Times New Roman" panose="02020603050405020304" pitchFamily="18" charset="0"/>
-                <a:cs typeface="Times New Roman" panose="02020603050405020304" pitchFamily="18" charset="0"/>
-              </a:rPr>
-              <a:t>Something we should know about IPv6</a:t>
-            </a:r>
-            <a:endParaRPr lang="en-US" sz="5400" dirty="0">
-              <a:latin typeface="Times New Roman" panose="02020603050405020304" pitchFamily="18" charset="0"/>
-              <a:cs typeface="Times New Roman" panose="02020603050405020304" pitchFamily="18" charset="0"/>
-            </a:endParaRPr>
-          </a:p>
-        </p:txBody>
-      </p:sp>
-      <p:sp>
-        <p:nvSpPr>
-          <p:cNvPr id="3" name="Content Placeholder 2"/>
+        <p:spPr/>
+        <p:txBody>
+          <a:bodyPr/>
+          <a:lstStyle/>
+          <a:p>
+            <a:r>
+              <a:rPr lang="en-US"/>
+              <a:t>Internet protocol(ICMP,ARP,HCP)</a:t>
+            </a:r>
+          </a:p>
+        </p:txBody>
+      </p:sp>
+      <p:sp>
+        <p:nvSpPr>
+          <p:cNvPr id="3" name="Content Placeholder 2">
+            <a:extLst>
+              <a:ext uri="{FF2B5EF4-FFF2-40B4-BE49-F238E27FC236}">
+                <a16:creationId xmlns:a16="http://schemas.microsoft.com/office/drawing/2014/main" id="{C8639FE6-D379-412A-BFBE-01405E74B32D}"/>
+              </a:ext>
+            </a:extLst>
+          </p:cNvPr>
           <p:cNvSpPr>
             <a:spLocks noGrp="1"/>
           </p:cNvSpPr>
@@ -9216,110 +8399,274 @@
             <p:ph idx="1"/>
           </p:nvPr>
         </p:nvSpPr>
-        <p:spPr>
-          <a:xfrm>
-            <a:off x="1384596" y="1731818"/>
-            <a:ext cx="10120016" cy="4821382"/>
-          </a:xfrm>
-        </p:spPr>
-        <p:txBody>
-          <a:bodyPr>
-            <a:normAutofit fontScale="92500"/>
-          </a:bodyPr>
-          <a:lstStyle/>
-          <a:p>
-            <a:r>
-              <a:rPr lang="en-US" sz="2800" dirty="0" smtClean="0">
-                <a:latin typeface="Times New Roman" panose="02020603050405020304" pitchFamily="18" charset="0"/>
-                <a:cs typeface="Times New Roman" panose="02020603050405020304" pitchFamily="18" charset="0"/>
-              </a:rPr>
-              <a:t>Ipv6 addresses are 128-bit length</a:t>
-            </a:r>
-          </a:p>
-          <a:p>
-            <a:r>
-              <a:rPr lang="en-US" sz="2800" dirty="0" smtClean="0">
-                <a:latin typeface="Times New Roman" panose="02020603050405020304" pitchFamily="18" charset="0"/>
-                <a:cs typeface="Times New Roman" panose="02020603050405020304" pitchFamily="18" charset="0"/>
-              </a:rPr>
-              <a:t>The prefix for a link-local address is FE80</a:t>
-            </a:r>
-          </a:p>
-          <a:p>
-            <a:r>
-              <a:rPr lang="en-US" sz="2800" dirty="0" smtClean="0">
-                <a:latin typeface="Times New Roman" panose="02020603050405020304" pitchFamily="18" charset="0"/>
-                <a:cs typeface="Times New Roman" panose="02020603050405020304" pitchFamily="18" charset="0"/>
-              </a:rPr>
-              <a:t>The first 64 bits represent the network and the last 64 </a:t>
-            </a:r>
-            <a:r>
-              <a:rPr lang="en-US" sz="2800" dirty="0" smtClean="0">
-                <a:latin typeface="Times New Roman" panose="02020603050405020304" pitchFamily="18" charset="0"/>
-                <a:cs typeface="Times New Roman" panose="02020603050405020304" pitchFamily="18" charset="0"/>
-              </a:rPr>
-              <a:t>bits represent the host</a:t>
-            </a:r>
-          </a:p>
-          <a:p>
-            <a:r>
-              <a:rPr lang="en-US" sz="2800" dirty="0" smtClean="0">
-                <a:latin typeface="Times New Roman" panose="02020603050405020304" pitchFamily="18" charset="0"/>
-                <a:cs typeface="Times New Roman" panose="02020603050405020304" pitchFamily="18" charset="0"/>
-              </a:rPr>
-              <a:t>IPv6 host address subnet masks are always /64</a:t>
-            </a:r>
-          </a:p>
-          <a:p>
-            <a:r>
-              <a:rPr lang="en-US" sz="2800" dirty="0" smtClean="0">
-                <a:latin typeface="Times New Roman" panose="02020603050405020304" pitchFamily="18" charset="0"/>
-                <a:cs typeface="Times New Roman" panose="02020603050405020304" pitchFamily="18" charset="0"/>
-              </a:rPr>
-              <a:t>An automatic host address can be assigned automatically or manually</a:t>
-            </a:r>
-          </a:p>
-          <a:p>
-            <a:r>
-              <a:rPr lang="en-US" sz="2800" dirty="0" smtClean="0">
-                <a:latin typeface="Times New Roman" panose="02020603050405020304" pitchFamily="18" charset="0"/>
-                <a:cs typeface="Times New Roman" panose="02020603050405020304" pitchFamily="18" charset="0"/>
-              </a:rPr>
-              <a:t>To get on the internet a computer needs a link-local IPv6 address and a global IPv6 address</a:t>
-            </a:r>
-          </a:p>
-          <a:p>
-            <a:r>
-              <a:rPr lang="en-US" sz="2800" dirty="0" smtClean="0">
-                <a:latin typeface="Times New Roman" panose="02020603050405020304" pitchFamily="18" charset="0"/>
-                <a:cs typeface="Times New Roman" panose="02020603050405020304" pitchFamily="18" charset="0"/>
-              </a:rPr>
-              <a:t>The world is still transitioning to IPv6 and will continue to run IPv4 and IPv6 side by side</a:t>
-            </a:r>
-            <a:endParaRPr lang="en-US" sz="2800" dirty="0">
-              <a:latin typeface="Times New Roman" panose="02020603050405020304" pitchFamily="18" charset="0"/>
-              <a:cs typeface="Times New Roman" panose="02020603050405020304" pitchFamily="18" charset="0"/>
-            </a:endParaRPr>
+        <p:spPr/>
+        <p:txBody>
+          <a:bodyPr/>
+          <a:lstStyle/>
+          <a:p>
+            <a:endParaRPr lang="en-US"/>
           </a:p>
         </p:txBody>
       </p:sp>
     </p:spTree>
     <p:extLst>
       <p:ext uri="{BB962C8B-B14F-4D97-AF65-F5344CB8AC3E}">
-        <p14:creationId xmlns:p14="http://schemas.microsoft.com/office/powerpoint/2010/main" val="1124816895"/>
+        <p14:creationId xmlns:p14="http://schemas.microsoft.com/office/powerpoint/2010/main" val="3609200841"/>
       </p:ext>
     </p:extLst>
   </p:cSld>
   <p:clrMapOvr>
     <a:masterClrMapping/>
   </p:clrMapOvr>
-  <p:timing>
-    <p:tnLst>
-      <p:par>
-        <p:cTn id="1" dur="indefinite" restart="never" nodeType="tmRoot"/>
-      </p:par>
-    </p:tnLst>
-  </p:timing>
+</p:sld>
+</file>
+
+<file path=ppt/slides/slide7.xml><?xml version="1.0" encoding="utf-8"?>
+<p:sld xmlns:a="http://schemas.openxmlformats.org/drawingml/2006/main" xmlns:r="http://schemas.openxmlformats.org/officeDocument/2006/relationships" xmlns:p="http://schemas.openxmlformats.org/presentationml/2006/main">
+  <p:cSld>
+    <p:spTree>
+      <p:nvGrpSpPr>
+        <p:cNvPr id="1" name=""/>
+        <p:cNvGrpSpPr/>
+        <p:nvPr/>
+      </p:nvGrpSpPr>
+      <p:grpSpPr>
+        <a:xfrm>
+          <a:off x="0" y="0"/>
+          <a:ext cx="0" cy="0"/>
+          <a:chOff x="0" y="0"/>
+          <a:chExt cx="0" cy="0"/>
+        </a:xfrm>
+      </p:grpSpPr>
+      <p:sp>
+        <p:nvSpPr>
+          <p:cNvPr id="2" name="Title 1">
+            <a:extLst>
+              <a:ext uri="{FF2B5EF4-FFF2-40B4-BE49-F238E27FC236}">
+                <a16:creationId xmlns:a16="http://schemas.microsoft.com/office/drawing/2014/main" id="{1D088509-4233-4185-90DA-6D3BFBCB5771}"/>
+              </a:ext>
+            </a:extLst>
+          </p:cNvPr>
+          <p:cNvSpPr>
+            <a:spLocks noGrp="1"/>
+          </p:cNvSpPr>
+          <p:nvPr>
+            <p:ph type="title"/>
+          </p:nvPr>
+        </p:nvSpPr>
+        <p:spPr/>
+        <p:txBody>
+          <a:bodyPr/>
+          <a:lstStyle/>
+          <a:p>
+            <a:r>
+              <a:rPr lang="en-US"/>
+              <a:t>Label switching and MPLS</a:t>
+            </a:r>
+          </a:p>
+        </p:txBody>
+      </p:sp>
+      <p:sp>
+        <p:nvSpPr>
+          <p:cNvPr id="3" name="Content Placeholder 2">
+            <a:extLst>
+              <a:ext uri="{FF2B5EF4-FFF2-40B4-BE49-F238E27FC236}">
+                <a16:creationId xmlns:a16="http://schemas.microsoft.com/office/drawing/2014/main" id="{259E3309-8455-4046-A7F7-B03E0F8DBDE5}"/>
+              </a:ext>
+            </a:extLst>
+          </p:cNvPr>
+          <p:cNvSpPr>
+            <a:spLocks noGrp="1"/>
+          </p:cNvSpPr>
+          <p:nvPr>
+            <p:ph idx="1"/>
+          </p:nvPr>
+        </p:nvSpPr>
+        <p:spPr/>
+        <p:txBody>
+          <a:bodyPr/>
+          <a:lstStyle/>
+          <a:p>
+            <a:endParaRPr lang="en-US"/>
+          </a:p>
+        </p:txBody>
+      </p:sp>
+    </p:spTree>
+    <p:extLst>
+      <p:ext uri="{BB962C8B-B14F-4D97-AF65-F5344CB8AC3E}">
+        <p14:creationId xmlns:p14="http://schemas.microsoft.com/office/powerpoint/2010/main" val="696532541"/>
+      </p:ext>
+    </p:extLst>
+  </p:cSld>
+  <p:clrMapOvr>
+    <a:masterClrMapping/>
+  </p:clrMapOvr>
+</p:sld>
+</file>
+
+<file path=ppt/slides/slide8.xml><?xml version="1.0" encoding="utf-8"?>
+<p:sld xmlns:a="http://schemas.openxmlformats.org/drawingml/2006/main" xmlns:r="http://schemas.openxmlformats.org/officeDocument/2006/relationships" xmlns:p="http://schemas.openxmlformats.org/presentationml/2006/main">
+  <p:cSld>
+    <p:spTree>
+      <p:nvGrpSpPr>
+        <p:cNvPr id="1" name=""/>
+        <p:cNvGrpSpPr/>
+        <p:nvPr/>
+      </p:nvGrpSpPr>
+      <p:grpSpPr>
+        <a:xfrm>
+          <a:off x="0" y="0"/>
+          <a:ext cx="0" cy="0"/>
+          <a:chOff x="0" y="0"/>
+          <a:chExt cx="0" cy="0"/>
+        </a:xfrm>
+      </p:grpSpPr>
+      <p:sp>
+        <p:nvSpPr>
+          <p:cNvPr id="2" name="Title 1">
+            <a:extLst>
+              <a:ext uri="{FF2B5EF4-FFF2-40B4-BE49-F238E27FC236}">
+                <a16:creationId xmlns:a16="http://schemas.microsoft.com/office/drawing/2014/main" id="{90C9BFFC-D73B-4B95-8DF4-E23184D3AF64}"/>
+              </a:ext>
+            </a:extLst>
+          </p:cNvPr>
+          <p:cNvSpPr>
+            <a:spLocks noGrp="1"/>
+          </p:cNvSpPr>
+          <p:nvPr>
+            <p:ph type="title"/>
+          </p:nvPr>
+        </p:nvSpPr>
+        <p:spPr/>
+        <p:txBody>
+          <a:bodyPr/>
+          <a:lstStyle/>
+          <a:p>
+            <a:r>
+              <a:rPr lang="en-US"/>
+              <a:t>OSPF</a:t>
+            </a:r>
+          </a:p>
+        </p:txBody>
+      </p:sp>
+      <p:sp>
+        <p:nvSpPr>
+          <p:cNvPr id="3" name="Content Placeholder 2">
+            <a:extLst>
+              <a:ext uri="{FF2B5EF4-FFF2-40B4-BE49-F238E27FC236}">
+                <a16:creationId xmlns:a16="http://schemas.microsoft.com/office/drawing/2014/main" id="{31319D21-C354-49FA-B3DA-F39CA523F434}"/>
+              </a:ext>
+            </a:extLst>
+          </p:cNvPr>
+          <p:cNvSpPr>
+            <a:spLocks noGrp="1"/>
+          </p:cNvSpPr>
+          <p:nvPr>
+            <p:ph idx="1"/>
+          </p:nvPr>
+        </p:nvSpPr>
+        <p:spPr/>
+        <p:txBody>
+          <a:bodyPr/>
+          <a:lstStyle/>
+          <a:p>
+            <a:endParaRPr lang="en-US"/>
+          </a:p>
+        </p:txBody>
+      </p:sp>
+    </p:spTree>
+    <p:extLst>
+      <p:ext uri="{BB962C8B-B14F-4D97-AF65-F5344CB8AC3E}">
+        <p14:creationId xmlns:p14="http://schemas.microsoft.com/office/powerpoint/2010/main" val="46437557"/>
+      </p:ext>
+    </p:extLst>
+  </p:cSld>
+  <p:clrMapOvr>
+    <a:masterClrMapping/>
+  </p:clrMapOvr>
+</p:sld>
+</file>
+
+<file path=ppt/slides/slide9.xml><?xml version="1.0" encoding="utf-8"?>
+<p:sld xmlns:a="http://schemas.openxmlformats.org/drawingml/2006/main" xmlns:r="http://schemas.openxmlformats.org/officeDocument/2006/relationships" xmlns:p="http://schemas.openxmlformats.org/presentationml/2006/main">
+  <p:cSld>
+    <p:spTree>
+      <p:nvGrpSpPr>
+        <p:cNvPr id="1" name=""/>
+        <p:cNvGrpSpPr/>
+        <p:nvPr/>
+      </p:nvGrpSpPr>
+      <p:grpSpPr>
+        <a:xfrm>
+          <a:off x="0" y="0"/>
+          <a:ext cx="0" cy="0"/>
+          <a:chOff x="0" y="0"/>
+          <a:chExt cx="0" cy="0"/>
+        </a:xfrm>
+      </p:grpSpPr>
+      <p:sp>
+        <p:nvSpPr>
+          <p:cNvPr id="2" name="Title 1">
+            <a:extLst>
+              <a:ext uri="{FF2B5EF4-FFF2-40B4-BE49-F238E27FC236}">
+                <a16:creationId xmlns:a16="http://schemas.microsoft.com/office/drawing/2014/main" id="{6403C7D7-28CA-4327-A9B6-7E79AB0B4F23}"/>
+              </a:ext>
+            </a:extLst>
+          </p:cNvPr>
+          <p:cNvSpPr>
+            <a:spLocks noGrp="1"/>
+          </p:cNvSpPr>
+          <p:nvPr>
+            <p:ph type="title"/>
+          </p:nvPr>
+        </p:nvSpPr>
+        <p:spPr/>
+        <p:txBody>
+          <a:bodyPr/>
+          <a:lstStyle/>
+          <a:p>
+            <a:r>
+              <a:rPr lang="en-US"/>
+              <a:t>BGP</a:t>
+            </a:r>
+          </a:p>
+        </p:txBody>
+      </p:sp>
+      <p:sp>
+        <p:nvSpPr>
+          <p:cNvPr id="3" name="Content Placeholder 2">
+            <a:extLst>
+              <a:ext uri="{FF2B5EF4-FFF2-40B4-BE49-F238E27FC236}">
+                <a16:creationId xmlns:a16="http://schemas.microsoft.com/office/drawing/2014/main" id="{E4ACE617-53CB-4C02-8D0D-B851F32C3D2B}"/>
+              </a:ext>
+            </a:extLst>
+          </p:cNvPr>
+          <p:cNvSpPr>
+            <a:spLocks noGrp="1"/>
+          </p:cNvSpPr>
+          <p:nvPr>
+            <p:ph idx="1"/>
+          </p:nvPr>
+        </p:nvSpPr>
+        <p:spPr/>
+        <p:txBody>
+          <a:bodyPr/>
+          <a:lstStyle/>
+          <a:p>
+            <a:endParaRPr lang="en-US"/>
+          </a:p>
+        </p:txBody>
+      </p:sp>
+    </p:spTree>
+    <p:extLst>
+      <p:ext uri="{BB962C8B-B14F-4D97-AF65-F5344CB8AC3E}">
+        <p14:creationId xmlns:p14="http://schemas.microsoft.com/office/powerpoint/2010/main" val="1302887906"/>
+      </p:ext>
+    </p:extLst>
+  </p:cSld>
+  <p:clrMapOvr>
+    <a:masterClrMapping/>
+  </p:clrMapOvr>
 </p:sld>
 </file>
 
@@ -9334,34 +8681,34 @@
         <a:sysClr val="window" lastClr="FFFFFF"/>
       </a:lt1>
       <a:dk2>
-        <a:srgbClr val="2E5369"/>
+        <a:srgbClr val="766F54"/>
       </a:dk2>
       <a:lt2>
-        <a:srgbClr val="CFE2E7"/>
+        <a:srgbClr val="E3EACF"/>
       </a:lt2>
       <a:accent1>
-        <a:srgbClr val="353535"/>
+        <a:srgbClr val="A53010"/>
       </a:accent1>
       <a:accent2>
-        <a:srgbClr val="31B4E6"/>
+        <a:srgbClr val="DE7E18"/>
       </a:accent2>
       <a:accent3>
-        <a:srgbClr val="265991"/>
+        <a:srgbClr val="9F8351"/>
       </a:accent3>
       <a:accent4>
-        <a:srgbClr val="7E40CC"/>
+        <a:srgbClr val="728653"/>
       </a:accent4>
       <a:accent5>
-        <a:srgbClr val="B927E9"/>
+        <a:srgbClr val="92AA4C"/>
       </a:accent5>
       <a:accent6>
-        <a:srgbClr val="E833BF"/>
+        <a:srgbClr val="6AAC91"/>
       </a:accent6>
       <a:hlink>
-        <a:srgbClr val="2DA0F1"/>
+        <a:srgbClr val="FB4A18"/>
       </a:hlink>
       <a:folHlink>
-        <a:srgbClr val="7ED1E6"/>
+        <a:srgbClr val="FB9318"/>
       </a:folHlink>
     </a:clrScheme>
     <a:fontScheme name="Wisp">
@@ -9560,7 +8907,7 @@
   <a:extraClrSchemeLst/>
   <a:extLst>
     <a:ext uri="{05A4C25C-085E-4340-85A3-A5531E510DB2}">
-      <thm15:themeFamily xmlns:thm15="http://schemas.microsoft.com/office/thememl/2012/main" name="Wisp" id="{7CB32D59-10C0-40DD-B7BD-2E94284A981C}" vid="{4F34B87B-9C7A-41AE-A6CB-48536223DFFD}"/>
+      <thm15:themeFamily xmlns:thm15="http://schemas.microsoft.com/office/thememl/2012/main" name="Wisp" id="{7CB32D59-10C0-40DD-B7BD-2E94284A981C}" vid="{24B1A44C-C006-48B2-A4D7-E5549B3D8CD4}"/>
     </a:ext>
   </a:extLst>
 </a:theme>
